--- a/SoS/conf2023/231217_横幹連合コンファレンス_熊谷.pptx
+++ b/SoS/conf2023/231217_横幹連合コンファレンス_熊谷.pptx
@@ -221,7 +221,7 @@
           <a:p>
             <a:fld id="{82150B36-03E6-4D3A-8098-12EB1C30C067}" type="datetimeFigureOut">
               <a:rPr kumimoji="1" lang="ja-JP" altLang="en-US" smtClean="0"/>
-              <a:t>2023/12/1</a:t>
+              <a:t>2023/12/12</a:t>
             </a:fld>
             <a:endParaRPr kumimoji="1" lang="ja-JP" altLang="en-US"/>
           </a:p>
@@ -14368,7 +14368,7 @@
                   <a:schemeClr val="bg1"/>
                 </a:solidFill>
               </a:rPr>
-              <a:t>Smart Manufacturing, Connected Industries</a:t>
+              <a:t>Smart Manufacturing / Connected Industries</a:t>
             </a:r>
           </a:p>
         </p:txBody>
@@ -16356,7 +16356,7 @@
         <p:spPr>
           <a:xfrm>
             <a:off x="517055" y="1071367"/>
-            <a:ext cx="5678557" cy="853432"/>
+            <a:ext cx="5652429" cy="853432"/>
           </a:xfrm>
         </p:spPr>
         <p:txBody>
@@ -16412,15 +16412,30 @@
             <a:pPr lvl="1"/>
             <a:r>
               <a:rPr lang="ja-JP" altLang="en-US" sz="1800" dirty="0"/>
-              <a:t>また、</a:t>
-            </a:r>
-            <a:r>
+              <a:t>需要抑制</a:t>
+            </a:r>
+            <a:r>
+              <a:rPr lang="ja-JP" altLang="en-US" sz="1600" dirty="0"/>
+              <a:t>（</a:t>
+            </a:r>
+            <a:r>
+              <a:rPr lang="en-US" altLang="ja-JP" sz="1600" dirty="0"/>
+              <a:t>Dynamic Pricing</a:t>
+            </a:r>
+            <a:r>
+              <a:rPr lang="ja-JP" altLang="en-US" sz="1600" dirty="0"/>
+              <a:t>やデマンドレスポンス）</a:t>
+            </a:r>
+            <a:r>
+              <a:rPr lang="ja-JP" altLang="en-US" sz="1800" dirty="0"/>
+              <a:t>を</a:t>
+            </a:r>
+            <a:br>
               <a:rPr lang="en-US" altLang="ja-JP" sz="1800" dirty="0"/>
-              <a:t>Dynamic Pricing</a:t>
-            </a:r>
+            </a:br>
             <a:r>
               <a:rPr lang="ja-JP" altLang="en-US" sz="1800" dirty="0"/>
-              <a:t>やデマンドレスポンスなどの需要抑制を要請・誘導することで、より高度な需給平衡を実現している。</a:t>
+              <a:t>要請することで、より高度な需給平衡を実現している。</a:t>
             </a:r>
             <a:endParaRPr lang="en-US" altLang="ja-JP" sz="1800" dirty="0"/>
           </a:p>
@@ -16428,7 +16443,7 @@
             <a:pPr lvl="1"/>
             <a:r>
               <a:rPr lang="ja-JP" altLang="en-US" sz="1800" dirty="0"/>
-              <a:t>長期停電などの非常時には、工業団地への最低限のエネルギー供給だけでなく、</a:t>
+              <a:t>長期停電などの非常時には、工業団地への最低限のエネルギー供給だけでなく、電力会社に安価で売電して電力供給を支援する。</a:t>
             </a:r>
             <a:endParaRPr lang="en-US" altLang="ja-JP" sz="1800" dirty="0"/>
           </a:p>
@@ -19772,7 +19787,7 @@
             </a:r>
             <a:r>
               <a:rPr lang="ja-JP" altLang="en-US" dirty="0"/>
-              <a:t>、仮想空間と現実空間の融合によって、工場内の機械・システムが操業の自律化、設備同士がスマートに連携する。</a:t>
+              <a:t>、仮想空間と現実空間の融合によって、工場内の機械・システムの操業が自律化、設備同士がスマートに連携する。</a:t>
             </a:r>
             <a:endParaRPr lang="en-US" altLang="ja-JP" dirty="0"/>
           </a:p>

--- a/SoS/conf2023/231217_横幹連合コンファレンス_熊谷.pptx
+++ b/SoS/conf2023/231217_横幹連合コンファレンス_熊谷.pptx
@@ -5,7 +5,7 @@
     <p:sldMasterId id="2147483756" r:id="rId1"/>
   </p:sldMasterIdLst>
   <p:notesMasterIdLst>
-    <p:notesMasterId r:id="rId25"/>
+    <p:notesMasterId r:id="rId26"/>
   </p:notesMasterIdLst>
   <p:sldIdLst>
     <p:sldId id="269" r:id="rId2"/>
@@ -23,14 +23,15 @@
     <p:sldId id="573" r:id="rId14"/>
     <p:sldId id="574" r:id="rId15"/>
     <p:sldId id="571" r:id="rId16"/>
-    <p:sldId id="570" r:id="rId17"/>
-    <p:sldId id="576" r:id="rId18"/>
-    <p:sldId id="577" r:id="rId19"/>
-    <p:sldId id="550" r:id="rId20"/>
-    <p:sldId id="286" r:id="rId21"/>
-    <p:sldId id="547" r:id="rId22"/>
-    <p:sldId id="553" r:id="rId23"/>
-    <p:sldId id="554" r:id="rId24"/>
+    <p:sldId id="578" r:id="rId17"/>
+    <p:sldId id="570" r:id="rId18"/>
+    <p:sldId id="576" r:id="rId19"/>
+    <p:sldId id="577" r:id="rId20"/>
+    <p:sldId id="550" r:id="rId21"/>
+    <p:sldId id="286" r:id="rId22"/>
+    <p:sldId id="547" r:id="rId23"/>
+    <p:sldId id="553" r:id="rId24"/>
+    <p:sldId id="554" r:id="rId25"/>
   </p:sldIdLst>
   <p:sldSz cx="12192000" cy="6858000"/>
   <p:notesSz cx="6858000" cy="9144000"/>
@@ -222,7 +223,7 @@
           <a:p>
             <a:fld id="{82150B36-03E6-4D3A-8098-12EB1C30C067}" type="datetimeFigureOut">
               <a:rPr kumimoji="1" lang="ja-JP" altLang="en-US" smtClean="0"/>
-              <a:t>2023/12/16</a:t>
+              <a:t>2023/12/17</a:t>
             </a:fld>
             <a:endParaRPr kumimoji="1" lang="ja-JP" altLang="en-US"/>
           </a:p>
@@ -1370,7 +1371,7 @@
     </p:spTree>
     <p:extLst>
       <p:ext uri="{BB962C8B-B14F-4D97-AF65-F5344CB8AC3E}">
-        <p14:creationId xmlns:p14="http://schemas.microsoft.com/office/powerpoint/2010/main" val="44677900"/>
+        <p14:creationId xmlns:p14="http://schemas.microsoft.com/office/powerpoint/2010/main" val="1791930104"/>
       </p:ext>
     </p:extLst>
   </p:cSld>
@@ -1443,7 +1444,7 @@
             </a:pPr>
             <a:r>
               <a:rPr kumimoji="1" lang="en-US" altLang="ja-JP" dirty="0"/>
-              <a:t>(10:33~11:33 60sec) </a:t>
+              <a:t>(9:33~10:33 60sec) </a:t>
             </a:r>
             <a:endParaRPr kumimoji="1" lang="ja-JP" altLang="en-US" dirty="0"/>
           </a:p>
@@ -1478,7 +1479,7 @@
     </p:spTree>
     <p:extLst>
       <p:ext uri="{BB962C8B-B14F-4D97-AF65-F5344CB8AC3E}">
-        <p14:creationId xmlns:p14="http://schemas.microsoft.com/office/powerpoint/2010/main" val="1810643707"/>
+        <p14:creationId xmlns:p14="http://schemas.microsoft.com/office/powerpoint/2010/main" val="44677900"/>
       </p:ext>
     </p:extLst>
   </p:cSld>
@@ -1551,7 +1552,7 @@
             </a:pPr>
             <a:r>
               <a:rPr kumimoji="1" lang="en-US" altLang="ja-JP" dirty="0"/>
-              <a:t>(11:33~12:33 60sec) </a:t>
+              <a:t>(10:33~11:33 60sec) </a:t>
             </a:r>
             <a:endParaRPr kumimoji="1" lang="ja-JP" altLang="en-US" dirty="0"/>
           </a:p>
@@ -1586,7 +1587,7 @@
     </p:spTree>
     <p:extLst>
       <p:ext uri="{BB962C8B-B14F-4D97-AF65-F5344CB8AC3E}">
-        <p14:creationId xmlns:p14="http://schemas.microsoft.com/office/powerpoint/2010/main" val="2451618052"/>
+        <p14:creationId xmlns:p14="http://schemas.microsoft.com/office/powerpoint/2010/main" val="1810643707"/>
       </p:ext>
     </p:extLst>
   </p:cSld>
@@ -1659,7 +1660,7 @@
             </a:pPr>
             <a:r>
               <a:rPr kumimoji="1" lang="en-US" altLang="ja-JP" dirty="0"/>
-              <a:t>(12:33~13:03 30sec) </a:t>
+              <a:t>(11:33~12:33 60sec) </a:t>
             </a:r>
             <a:endParaRPr kumimoji="1" lang="ja-JP" altLang="en-US" dirty="0"/>
           </a:p>
@@ -1694,7 +1695,7 @@
     </p:spTree>
     <p:extLst>
       <p:ext uri="{BB962C8B-B14F-4D97-AF65-F5344CB8AC3E}">
-        <p14:creationId xmlns:p14="http://schemas.microsoft.com/office/powerpoint/2010/main" val="2652037645"/>
+        <p14:creationId xmlns:p14="http://schemas.microsoft.com/office/powerpoint/2010/main" val="2451618052"/>
       </p:ext>
     </p:extLst>
   </p:cSld>
@@ -1863,6 +1864,30 @@
           <a:bodyPr/>
           <a:lstStyle/>
           <a:p>
+            <a:pPr marL="0" marR="0" lvl="0" indent="0" algn="l" defTabSz="914400" rtl="0" eaLnBrk="1" fontAlgn="auto" latinLnBrk="0" hangingPunct="1">
+              <a:lnSpc>
+                <a:spcPct val="100000"/>
+              </a:lnSpc>
+              <a:spcBef>
+                <a:spcPts val="0"/>
+              </a:spcBef>
+              <a:spcAft>
+                <a:spcPts val="0"/>
+              </a:spcAft>
+              <a:buClrTx/>
+              <a:buSzTx/>
+              <a:buFontTx/>
+              <a:buNone/>
+              <a:tabLst/>
+              <a:defRPr/>
+            </a:pPr>
+            <a:r>
+              <a:rPr kumimoji="1" lang="en-US" altLang="ja-JP" dirty="0"/>
+              <a:t>(12:33~13:03 30sec) </a:t>
+            </a:r>
+            <a:endParaRPr kumimoji="1" lang="ja-JP" altLang="en-US" dirty="0"/>
+          </a:p>
+          <a:p>
             <a:endParaRPr kumimoji="1" lang="ja-JP" altLang="en-US" dirty="0"/>
           </a:p>
         </p:txBody>
@@ -1885,6 +1910,90 @@
             <a:fld id="{234BF75D-FAA7-4C74-927E-D481AAC481B6}" type="slidenum">
               <a:rPr kumimoji="1" lang="ja-JP" altLang="en-US" smtClean="0"/>
               <a:t>20</a:t>
+            </a:fld>
+            <a:endParaRPr kumimoji="1" lang="ja-JP" altLang="en-US"/>
+          </a:p>
+        </p:txBody>
+      </p:sp>
+    </p:spTree>
+    <p:extLst>
+      <p:ext uri="{BB962C8B-B14F-4D97-AF65-F5344CB8AC3E}">
+        <p14:creationId xmlns:p14="http://schemas.microsoft.com/office/powerpoint/2010/main" val="2652037645"/>
+      </p:ext>
+    </p:extLst>
+  </p:cSld>
+  <p:clrMapOvr>
+    <a:masterClrMapping/>
+  </p:clrMapOvr>
+</p:notes>
+</file>
+
+<file path=ppt/notesSlides/notesSlide21.xml><?xml version="1.0" encoding="utf-8"?>
+<p:notes xmlns:a="http://schemas.openxmlformats.org/drawingml/2006/main" xmlns:r="http://schemas.openxmlformats.org/officeDocument/2006/relationships" xmlns:p="http://schemas.openxmlformats.org/presentationml/2006/main">
+  <p:cSld>
+    <p:spTree>
+      <p:nvGrpSpPr>
+        <p:cNvPr id="1" name=""/>
+        <p:cNvGrpSpPr/>
+        <p:nvPr/>
+      </p:nvGrpSpPr>
+      <p:grpSpPr>
+        <a:xfrm>
+          <a:off x="0" y="0"/>
+          <a:ext cx="0" cy="0"/>
+          <a:chOff x="0" y="0"/>
+          <a:chExt cx="0" cy="0"/>
+        </a:xfrm>
+      </p:grpSpPr>
+      <p:sp>
+        <p:nvSpPr>
+          <p:cNvPr id="2" name="スライド イメージ プレースホルダー 1"/>
+          <p:cNvSpPr>
+            <a:spLocks noGrp="1" noRot="1" noChangeAspect="1"/>
+          </p:cNvSpPr>
+          <p:nvPr>
+            <p:ph type="sldImg"/>
+          </p:nvPr>
+        </p:nvSpPr>
+        <p:spPr/>
+      </p:sp>
+      <p:sp>
+        <p:nvSpPr>
+          <p:cNvPr id="3" name="ノート プレースホルダー 2"/>
+          <p:cNvSpPr>
+            <a:spLocks noGrp="1"/>
+          </p:cNvSpPr>
+          <p:nvPr>
+            <p:ph type="body" idx="1"/>
+          </p:nvPr>
+        </p:nvSpPr>
+        <p:spPr/>
+        <p:txBody>
+          <a:bodyPr/>
+          <a:lstStyle/>
+          <a:p>
+            <a:endParaRPr kumimoji="1" lang="ja-JP" altLang="en-US" dirty="0"/>
+          </a:p>
+        </p:txBody>
+      </p:sp>
+      <p:sp>
+        <p:nvSpPr>
+          <p:cNvPr id="4" name="スライド番号プレースホルダー 3"/>
+          <p:cNvSpPr>
+            <a:spLocks noGrp="1"/>
+          </p:cNvSpPr>
+          <p:nvPr>
+            <p:ph type="sldNum" sz="quarter" idx="5"/>
+          </p:nvPr>
+        </p:nvSpPr>
+        <p:spPr/>
+        <p:txBody>
+          <a:bodyPr/>
+          <a:lstStyle/>
+          <a:p>
+            <a:fld id="{234BF75D-FAA7-4C74-927E-D481AAC481B6}" type="slidenum">
+              <a:rPr kumimoji="1" lang="ja-JP" altLang="en-US" smtClean="0"/>
+              <a:t>21</a:t>
             </a:fld>
             <a:endParaRPr kumimoji="1" lang="ja-JP" altLang="en-US"/>
           </a:p>
@@ -18354,120 +18463,10 @@
           <a:lstStyle/>
           <a:p>
             <a:r>
-              <a:rPr lang="en-US" altLang="ja-JP" dirty="0"/>
-              <a:t>IA2IA</a:t>
-            </a:r>
-            <a:r>
               <a:rPr lang="ja-JP" altLang="en-US" dirty="0"/>
-              <a:t>、</a:t>
-            </a:r>
-            <a:r>
-              <a:rPr lang="en-US" altLang="ja-JP" dirty="0"/>
-              <a:t>Smart Factory</a:t>
-            </a:r>
-            <a:r>
-              <a:rPr lang="ja-JP" altLang="en-US" dirty="0"/>
-              <a:t>、仮想空間と現実空間の融合によって、工場内の機械・システムの操業が自律化、設備同士がスマートに連携する。</a:t>
+              <a:t>暮らしのシーンに基づくと、人間が社会のどこに位置するのかを大別できる。</a:t>
             </a:r>
             <a:endParaRPr lang="en-US" altLang="ja-JP" dirty="0"/>
-          </a:p>
-          <a:p>
-            <a:pPr lvl="1"/>
-            <a:r>
-              <a:rPr lang="ja-JP" altLang="en-US" dirty="0"/>
-              <a:t>この方針は、プラント操業現場から、重要な意思決定者を除き、従来業務を行うオペレータ（人間）が削減する方向に向かう。このため、ローカルな範囲においては、人間との直接的な接点が疎になる可能性がある。</a:t>
-            </a:r>
-            <a:endParaRPr lang="en-US" altLang="ja-JP" dirty="0"/>
-          </a:p>
-          <a:p>
-            <a:r>
-              <a:rPr lang="ja-JP" altLang="en-US" dirty="0"/>
-              <a:t>一方、</a:t>
-            </a:r>
-            <a:r>
-              <a:rPr lang="en-US" altLang="ja-JP" dirty="0"/>
-              <a:t>Smart</a:t>
-            </a:r>
-            <a:r>
-              <a:rPr lang="ja-JP" altLang="en-US" dirty="0"/>
-              <a:t> </a:t>
-            </a:r>
-            <a:r>
-              <a:rPr lang="en-US" altLang="ja-JP" dirty="0"/>
-              <a:t>Manufacturing</a:t>
-            </a:r>
-            <a:r>
-              <a:rPr lang="ja-JP" altLang="en-US" dirty="0"/>
-              <a:t>、</a:t>
-            </a:r>
-            <a:r>
-              <a:rPr lang="en-US" altLang="ja-JP" dirty="0"/>
-              <a:t>Connected Industries</a:t>
-            </a:r>
-            <a:r>
-              <a:rPr lang="ja-JP" altLang="en-US" dirty="0"/>
-              <a:t>によって、プラントが産業インフラとして、サプライチェーンや地域全体との繋がりが強化されて</a:t>
-            </a:r>
-            <a:r>
-              <a:rPr lang="en-US" altLang="ja-JP" dirty="0"/>
-              <a:t>SoS</a:t>
-            </a:r>
-            <a:r>
-              <a:rPr lang="ja-JP" altLang="en-US" dirty="0"/>
-              <a:t>に発展する。</a:t>
-            </a:r>
-            <a:endParaRPr lang="en-US" altLang="ja-JP" dirty="0"/>
-          </a:p>
-          <a:p>
-            <a:pPr lvl="1"/>
-            <a:r>
-              <a:rPr lang="ja-JP" altLang="en-US" dirty="0"/>
-              <a:t>グローバルな範囲において人間との間接的な接点が増加することが期待される。</a:t>
-            </a:r>
-            <a:endParaRPr lang="en-US" altLang="ja-JP" dirty="0"/>
-          </a:p>
-          <a:p>
-            <a:r>
-              <a:rPr lang="ja-JP" altLang="en-US" dirty="0"/>
-              <a:t>プラントを起点とした</a:t>
-            </a:r>
-            <a:r>
-              <a:rPr lang="en-US" altLang="ja-JP" dirty="0"/>
-              <a:t>SoS</a:t>
-            </a:r>
-            <a:r>
-              <a:rPr lang="ja-JP" altLang="en-US" dirty="0"/>
-              <a:t>の管理・最適化が実現されていくにつれて、影響範囲は、生産者</a:t>
-            </a:r>
-            <a:r>
-              <a:rPr lang="en-US" altLang="ja-JP" dirty="0"/>
-              <a:t>-</a:t>
-            </a:r>
-            <a:r>
-              <a:rPr lang="ja-JP" altLang="en-US" dirty="0"/>
-              <a:t>消費者間などの限定的な経済的合理性だけでなく、間接的に携わる人間を含めたサプライチェーン全体に拡大されていく。</a:t>
-            </a:r>
-            <a:endParaRPr lang="en-US" altLang="ja-JP" dirty="0"/>
-          </a:p>
-          <a:p>
-            <a:pPr lvl="1"/>
-            <a:r>
-              <a:rPr lang="ja-JP" altLang="en-US" dirty="0"/>
-              <a:t>環境マネジメント・評価：温室効果ガス排出のスコープも間接的な評価を導入</a:t>
-            </a:r>
-            <a:endParaRPr lang="en-US" altLang="ja-JP" dirty="0"/>
-          </a:p>
-          <a:p>
-            <a:pPr lvl="1"/>
-            <a:r>
-              <a:rPr lang="ja-JP" altLang="en-US" dirty="0"/>
-              <a:t>間接的な影響まで考慮した、サービス・価値の提供を目指す</a:t>
-            </a:r>
-            <a:r>
-              <a:rPr lang="ja-JP" altLang="en-US" sz="1800" dirty="0"/>
-              <a:t>（ブロックチェーンによるエネルギートラッキング）</a:t>
-            </a:r>
-            <a:endParaRPr lang="en-US" altLang="ja-JP" sz="1800" dirty="0"/>
           </a:p>
         </p:txBody>
       </p:sp>
@@ -18519,6 +18518,744 @@
           </a:lstStyle>
           <a:p>
             <a:r>
+              <a:rPr lang="en-US" altLang="ja-JP" dirty="0"/>
+              <a:t>CPHS</a:t>
+            </a:r>
+            <a:r>
+              <a:rPr lang="ja-JP" altLang="en-US" dirty="0"/>
+              <a:t>における人間のパターン</a:t>
+            </a:r>
+            <a:endParaRPr lang="en-US" dirty="0"/>
+          </a:p>
+        </p:txBody>
+      </p:sp>
+      <p:sp>
+        <p:nvSpPr>
+          <p:cNvPr id="5" name="テキスト ボックス 4">
+            <a:extLst>
+              <a:ext uri="{FF2B5EF4-FFF2-40B4-BE49-F238E27FC236}">
+                <a16:creationId xmlns:a16="http://schemas.microsoft.com/office/drawing/2014/main" id="{7378FE2A-5658-9582-EDA9-0838C3F48ABA}"/>
+              </a:ext>
+            </a:extLst>
+          </p:cNvPr>
+          <p:cNvSpPr txBox="1"/>
+          <p:nvPr/>
+        </p:nvSpPr>
+        <p:spPr>
+          <a:xfrm>
+            <a:off x="571983" y="-20412"/>
+            <a:ext cx="6828941" cy="338554"/>
+          </a:xfrm>
+          <a:prstGeom prst="rect">
+            <a:avLst/>
+          </a:prstGeom>
+          <a:noFill/>
+        </p:spPr>
+        <p:txBody>
+          <a:bodyPr wrap="square" rtlCol="0">
+            <a:spAutoFit/>
+          </a:bodyPr>
+          <a:lstStyle/>
+          <a:p>
+            <a:r>
+              <a:rPr lang="en-US" altLang="ja-JP" sz="1600" b="1" dirty="0">
+                <a:solidFill>
+                  <a:schemeClr val="bg1"/>
+                </a:solidFill>
+              </a:rPr>
+              <a:t>4. Cyber Physical Human Systems</a:t>
+            </a:r>
+            <a:r>
+              <a:rPr lang="ja-JP" altLang="en-US" sz="1600" b="1" dirty="0">
+                <a:solidFill>
+                  <a:schemeClr val="bg1"/>
+                </a:solidFill>
+              </a:rPr>
+              <a:t>への展望</a:t>
+            </a:r>
+            <a:endParaRPr kumimoji="1" lang="ja-JP" altLang="en-US" sz="1600" b="1" dirty="0">
+              <a:solidFill>
+                <a:schemeClr val="bg1"/>
+              </a:solidFill>
+            </a:endParaRPr>
+          </a:p>
+        </p:txBody>
+      </p:sp>
+      <p:sp>
+        <p:nvSpPr>
+          <p:cNvPr id="2" name="テキスト ボックス 1">
+            <a:extLst>
+              <a:ext uri="{FF2B5EF4-FFF2-40B4-BE49-F238E27FC236}">
+                <a16:creationId xmlns:a16="http://schemas.microsoft.com/office/drawing/2014/main" id="{24A77DB2-23ED-0F7B-987A-224AB2655A42}"/>
+              </a:ext>
+            </a:extLst>
+          </p:cNvPr>
+          <p:cNvSpPr txBox="1"/>
+          <p:nvPr/>
+        </p:nvSpPr>
+        <p:spPr>
+          <a:xfrm>
+            <a:off x="517055" y="2261315"/>
+            <a:ext cx="3725488" cy="369332"/>
+          </a:xfrm>
+          <a:prstGeom prst="rect">
+            <a:avLst/>
+          </a:prstGeom>
+          <a:noFill/>
+        </p:spPr>
+        <p:txBody>
+          <a:bodyPr wrap="square" rtlCol="0">
+            <a:spAutoFit/>
+          </a:bodyPr>
+          <a:lstStyle/>
+          <a:p>
+            <a:pPr algn="ctr"/>
+            <a:r>
+              <a:rPr kumimoji="1" lang="ja-JP" altLang="en-US" b="1" dirty="0">
+                <a:solidFill>
+                  <a:schemeClr val="accent1"/>
+                </a:solidFill>
+              </a:rPr>
+              <a:t>役割を果たすシーン</a:t>
+            </a:r>
+          </a:p>
+        </p:txBody>
+      </p:sp>
+      <p:sp>
+        <p:nvSpPr>
+          <p:cNvPr id="4" name="テキスト ボックス 3">
+            <a:extLst>
+              <a:ext uri="{FF2B5EF4-FFF2-40B4-BE49-F238E27FC236}">
+                <a16:creationId xmlns:a16="http://schemas.microsoft.com/office/drawing/2014/main" id="{31AA8199-F9E5-589F-F2AD-9A17540CAD7D}"/>
+              </a:ext>
+            </a:extLst>
+          </p:cNvPr>
+          <p:cNvSpPr txBox="1"/>
+          <p:nvPr/>
+        </p:nvSpPr>
+        <p:spPr>
+          <a:xfrm>
+            <a:off x="4979507" y="2261315"/>
+            <a:ext cx="2269562" cy="369332"/>
+          </a:xfrm>
+          <a:prstGeom prst="rect">
+            <a:avLst/>
+          </a:prstGeom>
+          <a:noFill/>
+        </p:spPr>
+        <p:txBody>
+          <a:bodyPr wrap="square" rtlCol="0">
+            <a:spAutoFit/>
+          </a:bodyPr>
+          <a:lstStyle/>
+          <a:p>
+            <a:pPr algn="ctr"/>
+            <a:r>
+              <a:rPr kumimoji="1" lang="ja-JP" altLang="en-US" b="1" dirty="0">
+                <a:solidFill>
+                  <a:schemeClr val="accent1"/>
+                </a:solidFill>
+              </a:rPr>
+              <a:t>日常生活シーン</a:t>
+            </a:r>
+          </a:p>
+        </p:txBody>
+      </p:sp>
+      <p:sp>
+        <p:nvSpPr>
+          <p:cNvPr id="6" name="テキスト ボックス 5">
+            <a:extLst>
+              <a:ext uri="{FF2B5EF4-FFF2-40B4-BE49-F238E27FC236}">
+                <a16:creationId xmlns:a16="http://schemas.microsoft.com/office/drawing/2014/main" id="{03EF56AF-DA57-D50A-E195-7B8B4EF37A84}"/>
+              </a:ext>
+            </a:extLst>
+          </p:cNvPr>
+          <p:cNvSpPr txBox="1"/>
+          <p:nvPr/>
+        </p:nvSpPr>
+        <p:spPr>
+          <a:xfrm>
+            <a:off x="8125695" y="2261315"/>
+            <a:ext cx="3322866" cy="369332"/>
+          </a:xfrm>
+          <a:prstGeom prst="rect">
+            <a:avLst/>
+          </a:prstGeom>
+          <a:noFill/>
+        </p:spPr>
+        <p:txBody>
+          <a:bodyPr wrap="square" rtlCol="0">
+            <a:spAutoFit/>
+          </a:bodyPr>
+          <a:lstStyle/>
+          <a:p>
+            <a:pPr algn="ctr"/>
+            <a:r>
+              <a:rPr kumimoji="1" lang="ja-JP" altLang="en-US" b="1" dirty="0">
+                <a:solidFill>
+                  <a:schemeClr val="accent1"/>
+                </a:solidFill>
+              </a:rPr>
+              <a:t>レジャーシーン</a:t>
+            </a:r>
+          </a:p>
+        </p:txBody>
+      </p:sp>
+      <p:sp>
+        <p:nvSpPr>
+          <p:cNvPr id="7" name="テキスト ボックス 6">
+            <a:extLst>
+              <a:ext uri="{FF2B5EF4-FFF2-40B4-BE49-F238E27FC236}">
+                <a16:creationId xmlns:a16="http://schemas.microsoft.com/office/drawing/2014/main" id="{089A6FF8-CA32-B976-A34F-6AF7E1159BF8}"/>
+              </a:ext>
+            </a:extLst>
+          </p:cNvPr>
+          <p:cNvSpPr txBox="1"/>
+          <p:nvPr/>
+        </p:nvSpPr>
+        <p:spPr>
+          <a:xfrm>
+            <a:off x="517054" y="3244334"/>
+            <a:ext cx="3844633" cy="646331"/>
+          </a:xfrm>
+          <a:prstGeom prst="rect">
+            <a:avLst/>
+          </a:prstGeom>
+          <a:noFill/>
+        </p:spPr>
+        <p:txBody>
+          <a:bodyPr wrap="square" rtlCol="0">
+            <a:spAutoFit/>
+          </a:bodyPr>
+          <a:lstStyle/>
+          <a:p>
+            <a:pPr marL="285750" indent="-285750">
+              <a:buFont typeface="Wingdings" panose="05000000000000000000" pitchFamily="2" charset="2"/>
+              <a:buChar char="Ø"/>
+            </a:pPr>
+            <a:r>
+              <a:rPr kumimoji="1" lang="ja-JP" altLang="en-US" b="1" dirty="0">
+                <a:solidFill>
+                  <a:schemeClr val="accent1"/>
+                </a:solidFill>
+              </a:rPr>
+              <a:t>労働者が職場で労働する</a:t>
+            </a:r>
+            <a:endParaRPr kumimoji="1" lang="en-US" altLang="ja-JP" b="1" dirty="0">
+              <a:solidFill>
+                <a:schemeClr val="accent1"/>
+              </a:solidFill>
+            </a:endParaRPr>
+          </a:p>
+          <a:p>
+            <a:pPr marL="285750" indent="-285750">
+              <a:buFont typeface="Wingdings" panose="05000000000000000000" pitchFamily="2" charset="2"/>
+              <a:buChar char="Ø"/>
+            </a:pPr>
+            <a:r>
+              <a:rPr kumimoji="1" lang="ja-JP" altLang="en-US" b="1" dirty="0">
+                <a:solidFill>
+                  <a:schemeClr val="accent1"/>
+                </a:solidFill>
+              </a:rPr>
+              <a:t>学生が学校で教育を受ける</a:t>
+            </a:r>
+          </a:p>
+        </p:txBody>
+      </p:sp>
+      <p:sp>
+        <p:nvSpPr>
+          <p:cNvPr id="8" name="テキスト ボックス 7">
+            <a:extLst>
+              <a:ext uri="{FF2B5EF4-FFF2-40B4-BE49-F238E27FC236}">
+                <a16:creationId xmlns:a16="http://schemas.microsoft.com/office/drawing/2014/main" id="{59DE41D3-9F37-F1A5-5A2B-5B2BFDB0E480}"/>
+              </a:ext>
+            </a:extLst>
+          </p:cNvPr>
+          <p:cNvSpPr txBox="1"/>
+          <p:nvPr/>
+        </p:nvSpPr>
+        <p:spPr>
+          <a:xfrm>
+            <a:off x="4720594" y="3244334"/>
+            <a:ext cx="2888530" cy="646331"/>
+          </a:xfrm>
+          <a:prstGeom prst="rect">
+            <a:avLst/>
+          </a:prstGeom>
+          <a:noFill/>
+        </p:spPr>
+        <p:txBody>
+          <a:bodyPr wrap="square" rtlCol="0">
+            <a:spAutoFit/>
+          </a:bodyPr>
+          <a:lstStyle/>
+          <a:p>
+            <a:pPr marL="285750" indent="-285750">
+              <a:buFont typeface="Wingdings" panose="05000000000000000000" pitchFamily="2" charset="2"/>
+              <a:buChar char="Ø"/>
+            </a:pPr>
+            <a:r>
+              <a:rPr kumimoji="1" lang="ja-JP" altLang="en-US" b="1" dirty="0">
+                <a:solidFill>
+                  <a:schemeClr val="accent1"/>
+                </a:solidFill>
+              </a:rPr>
+              <a:t>自宅で過ごす</a:t>
+            </a:r>
+            <a:endParaRPr kumimoji="1" lang="en-US" altLang="ja-JP" b="1" dirty="0">
+              <a:solidFill>
+                <a:schemeClr val="accent1"/>
+              </a:solidFill>
+            </a:endParaRPr>
+          </a:p>
+          <a:p>
+            <a:pPr marL="285750" indent="-285750">
+              <a:buFont typeface="Wingdings" panose="05000000000000000000" pitchFamily="2" charset="2"/>
+              <a:buChar char="Ø"/>
+            </a:pPr>
+            <a:r>
+              <a:rPr kumimoji="1" lang="ja-JP" altLang="en-US" b="1" dirty="0">
+                <a:solidFill>
+                  <a:schemeClr val="accent1"/>
+                </a:solidFill>
+              </a:rPr>
+              <a:t>通勤・通学</a:t>
+            </a:r>
+          </a:p>
+        </p:txBody>
+      </p:sp>
+      <p:sp>
+        <p:nvSpPr>
+          <p:cNvPr id="10" name="テキスト ボックス 9">
+            <a:extLst>
+              <a:ext uri="{FF2B5EF4-FFF2-40B4-BE49-F238E27FC236}">
+                <a16:creationId xmlns:a16="http://schemas.microsoft.com/office/drawing/2014/main" id="{0C7A6446-6AB9-51B8-4ED2-0425A2C28716}"/>
+              </a:ext>
+            </a:extLst>
+          </p:cNvPr>
+          <p:cNvSpPr txBox="1"/>
+          <p:nvPr/>
+        </p:nvSpPr>
+        <p:spPr>
+          <a:xfrm>
+            <a:off x="4720594" y="4007042"/>
+            <a:ext cx="2888530" cy="369332"/>
+          </a:xfrm>
+          <a:prstGeom prst="rect">
+            <a:avLst/>
+          </a:prstGeom>
+          <a:noFill/>
+        </p:spPr>
+        <p:txBody>
+          <a:bodyPr wrap="square" rtlCol="0">
+            <a:spAutoFit/>
+          </a:bodyPr>
+          <a:lstStyle/>
+          <a:p>
+            <a:pPr marL="285750" indent="-285750">
+              <a:buFont typeface="Wingdings" panose="05000000000000000000" pitchFamily="2" charset="2"/>
+              <a:buChar char="Ø"/>
+            </a:pPr>
+            <a:r>
+              <a:rPr kumimoji="1" lang="ja-JP" altLang="en-US" b="1" dirty="0">
+                <a:solidFill>
+                  <a:schemeClr val="accent1"/>
+                </a:solidFill>
+              </a:rPr>
+              <a:t>買い物・医療</a:t>
+            </a:r>
+          </a:p>
+        </p:txBody>
+      </p:sp>
+      <p:sp>
+        <p:nvSpPr>
+          <p:cNvPr id="11" name="テキスト ボックス 10">
+            <a:extLst>
+              <a:ext uri="{FF2B5EF4-FFF2-40B4-BE49-F238E27FC236}">
+                <a16:creationId xmlns:a16="http://schemas.microsoft.com/office/drawing/2014/main" id="{E6448D32-9E37-6281-96B5-76FBD36A365F}"/>
+              </a:ext>
+            </a:extLst>
+          </p:cNvPr>
+          <p:cNvSpPr txBox="1"/>
+          <p:nvPr/>
+        </p:nvSpPr>
+        <p:spPr>
+          <a:xfrm>
+            <a:off x="8474160" y="3244334"/>
+            <a:ext cx="2625937" cy="369332"/>
+          </a:xfrm>
+          <a:prstGeom prst="rect">
+            <a:avLst/>
+          </a:prstGeom>
+          <a:noFill/>
+        </p:spPr>
+        <p:txBody>
+          <a:bodyPr wrap="square" rtlCol="0">
+            <a:spAutoFit/>
+          </a:bodyPr>
+          <a:lstStyle/>
+          <a:p>
+            <a:pPr marL="285750" indent="-285750">
+              <a:buFont typeface="Wingdings" panose="05000000000000000000" pitchFamily="2" charset="2"/>
+              <a:buChar char="Ø"/>
+            </a:pPr>
+            <a:r>
+              <a:rPr kumimoji="1" lang="ja-JP" altLang="en-US" b="1" dirty="0">
+                <a:solidFill>
+                  <a:schemeClr val="accent1"/>
+                </a:solidFill>
+              </a:rPr>
+              <a:t>旅行</a:t>
+            </a:r>
+          </a:p>
+        </p:txBody>
+      </p:sp>
+      <p:sp>
+        <p:nvSpPr>
+          <p:cNvPr id="12" name="矢印: 右 11">
+            <a:extLst>
+              <a:ext uri="{FF2B5EF4-FFF2-40B4-BE49-F238E27FC236}">
+                <a16:creationId xmlns:a16="http://schemas.microsoft.com/office/drawing/2014/main" id="{72C31185-8781-C30E-DC2A-12D15330576B}"/>
+              </a:ext>
+            </a:extLst>
+          </p:cNvPr>
+          <p:cNvSpPr/>
+          <p:nvPr/>
+        </p:nvSpPr>
+        <p:spPr>
+          <a:xfrm rot="5400000">
+            <a:off x="2138359" y="4203342"/>
+            <a:ext cx="377343" cy="224678"/>
+          </a:xfrm>
+          <a:prstGeom prst="rightArrow">
+            <a:avLst/>
+          </a:prstGeom>
+          <a:solidFill>
+            <a:schemeClr val="bg1"/>
+          </a:solidFill>
+        </p:spPr>
+        <p:style>
+          <a:lnRef idx="2">
+            <a:schemeClr val="accent1">
+              <a:shade val="50000"/>
+            </a:schemeClr>
+          </a:lnRef>
+          <a:fillRef idx="1">
+            <a:schemeClr val="accent1"/>
+          </a:fillRef>
+          <a:effectRef idx="0">
+            <a:schemeClr val="accent1"/>
+          </a:effectRef>
+          <a:fontRef idx="minor">
+            <a:schemeClr val="lt1"/>
+          </a:fontRef>
+        </p:style>
+        <p:txBody>
+          <a:bodyPr rtlCol="0" anchor="ctr"/>
+          <a:lstStyle/>
+          <a:p>
+            <a:pPr algn="ctr"/>
+            <a:endParaRPr kumimoji="1" lang="ja-JP" altLang="en-US">
+              <a:solidFill>
+                <a:schemeClr val="tx1"/>
+              </a:solidFill>
+            </a:endParaRPr>
+          </a:p>
+        </p:txBody>
+      </p:sp>
+      <p:sp>
+        <p:nvSpPr>
+          <p:cNvPr id="13" name="テキスト ボックス 12">
+            <a:extLst>
+              <a:ext uri="{FF2B5EF4-FFF2-40B4-BE49-F238E27FC236}">
+                <a16:creationId xmlns:a16="http://schemas.microsoft.com/office/drawing/2014/main" id="{ADF09128-93AB-1F5F-42F9-228494135BFB}"/>
+              </a:ext>
+            </a:extLst>
+          </p:cNvPr>
+          <p:cNvSpPr txBox="1"/>
+          <p:nvPr/>
+        </p:nvSpPr>
+        <p:spPr>
+          <a:xfrm>
+            <a:off x="464286" y="4899206"/>
+            <a:ext cx="3725488" cy="646331"/>
+          </a:xfrm>
+          <a:prstGeom prst="rect">
+            <a:avLst/>
+          </a:prstGeom>
+          <a:noFill/>
+        </p:spPr>
+        <p:txBody>
+          <a:bodyPr wrap="square" rtlCol="0">
+            <a:spAutoFit/>
+          </a:bodyPr>
+          <a:lstStyle/>
+          <a:p>
+            <a:pPr algn="ctr"/>
+            <a:r>
+              <a:rPr kumimoji="1" lang="ja-JP" altLang="en-US" b="1" dirty="0">
+                <a:solidFill>
+                  <a:schemeClr val="accent1"/>
+                </a:solidFill>
+              </a:rPr>
+              <a:t>プラントを含むサプライチェーンに関わる人間は、これを多く占める</a:t>
+            </a:r>
+          </a:p>
+        </p:txBody>
+      </p:sp>
+    </p:spTree>
+    <p:extLst>
+      <p:ext uri="{BB962C8B-B14F-4D97-AF65-F5344CB8AC3E}">
+        <p14:creationId xmlns:p14="http://schemas.microsoft.com/office/powerpoint/2010/main" val="761665996"/>
+      </p:ext>
+    </p:extLst>
+  </p:cSld>
+  <p:clrMapOvr>
+    <a:masterClrMapping/>
+  </p:clrMapOvr>
+</p:sld>
+</file>
+
+<file path=ppt/slides/slide17.xml><?xml version="1.0" encoding="utf-8"?>
+<p:sld xmlns:a="http://schemas.openxmlformats.org/drawingml/2006/main" xmlns:r="http://schemas.openxmlformats.org/officeDocument/2006/relationships" xmlns:p="http://schemas.openxmlformats.org/presentationml/2006/main">
+  <p:cSld>
+    <p:spTree>
+      <p:nvGrpSpPr>
+        <p:cNvPr id="1" name=""/>
+        <p:cNvGrpSpPr/>
+        <p:nvPr/>
+      </p:nvGrpSpPr>
+      <p:grpSpPr>
+        <a:xfrm>
+          <a:off x="0" y="0"/>
+          <a:ext cx="0" cy="0"/>
+          <a:chOff x="0" y="0"/>
+          <a:chExt cx="0" cy="0"/>
+        </a:xfrm>
+      </p:grpSpPr>
+      <p:sp>
+        <p:nvSpPr>
+          <p:cNvPr id="3" name="スライド番号プレースホルダー 2">
+            <a:extLst>
+              <a:ext uri="{FF2B5EF4-FFF2-40B4-BE49-F238E27FC236}">
+                <a16:creationId xmlns:a16="http://schemas.microsoft.com/office/drawing/2014/main" id="{ED23190D-575C-49DE-8293-87C3C1C8D779}"/>
+              </a:ext>
+            </a:extLst>
+          </p:cNvPr>
+          <p:cNvSpPr>
+            <a:spLocks noGrp="1"/>
+          </p:cNvSpPr>
+          <p:nvPr>
+            <p:ph type="sldNum" sz="quarter" idx="10"/>
+          </p:nvPr>
+        </p:nvSpPr>
+        <p:spPr/>
+        <p:txBody>
+          <a:bodyPr/>
+          <a:lstStyle/>
+          <a:p>
+            <a:fld id="{584EAAFE-CFE5-40AD-8E95-5BFF290DC5CF}" type="slidenum">
+              <a:rPr kumimoji="1" lang="ja-JP" altLang="en-US" smtClean="0"/>
+              <a:pPr/>
+              <a:t>17</a:t>
+            </a:fld>
+            <a:endParaRPr kumimoji="1" lang="ja-JP" altLang="en-US"/>
+          </a:p>
+        </p:txBody>
+      </p:sp>
+      <p:sp>
+        <p:nvSpPr>
+          <p:cNvPr id="9" name="テキスト プレースホルダー 8">
+            <a:extLst>
+              <a:ext uri="{FF2B5EF4-FFF2-40B4-BE49-F238E27FC236}">
+                <a16:creationId xmlns:a16="http://schemas.microsoft.com/office/drawing/2014/main" id="{A809889B-886C-09D3-E0E0-05C8C4A3F3EE}"/>
+              </a:ext>
+            </a:extLst>
+          </p:cNvPr>
+          <p:cNvSpPr>
+            <a:spLocks noGrp="1"/>
+          </p:cNvSpPr>
+          <p:nvPr>
+            <p:ph type="body" sz="quarter" idx="11"/>
+          </p:nvPr>
+        </p:nvSpPr>
+        <p:spPr>
+          <a:xfrm>
+            <a:off x="517055" y="1071367"/>
+            <a:ext cx="11608270" cy="518095"/>
+          </a:xfrm>
+        </p:spPr>
+        <p:txBody>
+          <a:bodyPr/>
+          <a:lstStyle/>
+          <a:p>
+            <a:r>
+              <a:rPr lang="en-US" altLang="ja-JP" dirty="0"/>
+              <a:t>IA2IA</a:t>
+            </a:r>
+            <a:r>
+              <a:rPr lang="ja-JP" altLang="en-US" dirty="0"/>
+              <a:t>、</a:t>
+            </a:r>
+            <a:r>
+              <a:rPr lang="en-US" altLang="ja-JP" dirty="0"/>
+              <a:t>Smart Factory</a:t>
+            </a:r>
+            <a:r>
+              <a:rPr lang="ja-JP" altLang="en-US" dirty="0"/>
+              <a:t>、仮想空間と現実空間の融合によって、工場内の機械・システムの操業が自律化、設備同士がスマートに連携する。</a:t>
+            </a:r>
+            <a:endParaRPr lang="en-US" altLang="ja-JP" dirty="0"/>
+          </a:p>
+          <a:p>
+            <a:pPr lvl="1"/>
+            <a:r>
+              <a:rPr lang="ja-JP" altLang="en-US" dirty="0"/>
+              <a:t>この方針は、プラント操業現場から、重要な意思決定者を除き、従来業務を行うオペレータ（人間）が削減する方向に向かう。このため、ローカルな範囲においては、人間との直接的な接点が疎になる可能性がある。</a:t>
+            </a:r>
+            <a:endParaRPr lang="en-US" altLang="ja-JP" dirty="0"/>
+          </a:p>
+          <a:p>
+            <a:r>
+              <a:rPr lang="ja-JP" altLang="en-US" dirty="0"/>
+              <a:t>一方、</a:t>
+            </a:r>
+            <a:r>
+              <a:rPr lang="en-US" altLang="ja-JP" dirty="0"/>
+              <a:t>Smart</a:t>
+            </a:r>
+            <a:r>
+              <a:rPr lang="ja-JP" altLang="en-US" dirty="0"/>
+              <a:t> </a:t>
+            </a:r>
+            <a:r>
+              <a:rPr lang="en-US" altLang="ja-JP" dirty="0"/>
+              <a:t>Manufacturing</a:t>
+            </a:r>
+            <a:r>
+              <a:rPr lang="ja-JP" altLang="en-US" dirty="0"/>
+              <a:t>、</a:t>
+            </a:r>
+            <a:r>
+              <a:rPr lang="en-US" altLang="ja-JP" dirty="0"/>
+              <a:t>Connected Industries</a:t>
+            </a:r>
+            <a:r>
+              <a:rPr lang="ja-JP" altLang="en-US" dirty="0"/>
+              <a:t>によって、プラントが産業インフラとして、サプライチェーンや地域全体との繋がりが強化されて</a:t>
+            </a:r>
+            <a:r>
+              <a:rPr lang="en-US" altLang="ja-JP" dirty="0"/>
+              <a:t>SoS</a:t>
+            </a:r>
+            <a:r>
+              <a:rPr lang="ja-JP" altLang="en-US" dirty="0"/>
+              <a:t>に発展する。</a:t>
+            </a:r>
+            <a:endParaRPr lang="en-US" altLang="ja-JP" dirty="0"/>
+          </a:p>
+          <a:p>
+            <a:pPr lvl="1"/>
+            <a:r>
+              <a:rPr lang="ja-JP" altLang="en-US" dirty="0"/>
+              <a:t>グローバルな範囲において人間との間接的な接点が増加することが期待される。</a:t>
+            </a:r>
+            <a:endParaRPr lang="en-US" altLang="ja-JP" dirty="0"/>
+          </a:p>
+          <a:p>
+            <a:r>
+              <a:rPr lang="ja-JP" altLang="en-US" dirty="0"/>
+              <a:t>プラントを起点とした</a:t>
+            </a:r>
+            <a:r>
+              <a:rPr lang="en-US" altLang="ja-JP" dirty="0"/>
+              <a:t>SoS</a:t>
+            </a:r>
+            <a:r>
+              <a:rPr lang="ja-JP" altLang="en-US" dirty="0"/>
+              <a:t>の管理・最適化が実現されていくにつれて、影響範囲は、生産者</a:t>
+            </a:r>
+            <a:r>
+              <a:rPr lang="en-US" altLang="ja-JP" dirty="0"/>
+              <a:t>-</a:t>
+            </a:r>
+            <a:r>
+              <a:rPr lang="ja-JP" altLang="en-US" dirty="0"/>
+              <a:t>消費者間などの限定的な経済的合理性だけでなく、間接的に携わる人間を含めたサプライチェーン全体に拡大されていく。</a:t>
+            </a:r>
+            <a:endParaRPr lang="en-US" altLang="ja-JP" dirty="0"/>
+          </a:p>
+          <a:p>
+            <a:pPr lvl="1"/>
+            <a:r>
+              <a:rPr lang="ja-JP" altLang="en-US" dirty="0"/>
+              <a:t>環境マネジメント・評価：温室効果ガス排出のスコープも間接的な評価を導入</a:t>
+            </a:r>
+            <a:endParaRPr lang="en-US" altLang="ja-JP" dirty="0"/>
+          </a:p>
+          <a:p>
+            <a:pPr lvl="1"/>
+            <a:r>
+              <a:rPr lang="ja-JP" altLang="en-US" dirty="0"/>
+              <a:t>間接的な影響まで考慮した、サービス・価値の提供を目指す</a:t>
+            </a:r>
+            <a:r>
+              <a:rPr lang="ja-JP" altLang="en-US" sz="1800" dirty="0"/>
+              <a:t>（ブロックチェーンによるエネルギートラッキング）</a:t>
+            </a:r>
+            <a:endParaRPr lang="en-US" altLang="ja-JP" sz="1800" dirty="0"/>
+          </a:p>
+        </p:txBody>
+      </p:sp>
+      <p:sp>
+        <p:nvSpPr>
+          <p:cNvPr id="14" name="タイトル 1">
+            <a:extLst>
+              <a:ext uri="{FF2B5EF4-FFF2-40B4-BE49-F238E27FC236}">
+                <a16:creationId xmlns:a16="http://schemas.microsoft.com/office/drawing/2014/main" id="{56C30C21-41CA-6461-0D79-7FF41180DEB5}"/>
+              </a:ext>
+            </a:extLst>
+          </p:cNvPr>
+          <p:cNvSpPr txBox="1">
+            <a:spLocks/>
+          </p:cNvSpPr>
+          <p:nvPr/>
+        </p:nvSpPr>
+        <p:spPr>
+          <a:xfrm>
+            <a:off x="517055" y="241080"/>
+            <a:ext cx="11400125" cy="518094"/>
+          </a:xfrm>
+          <a:prstGeom prst="rect">
+            <a:avLst/>
+          </a:prstGeom>
+        </p:spPr>
+        <p:txBody>
+          <a:bodyPr vert="horz" lIns="91440" tIns="45720" rIns="91440" bIns="45720" rtlCol="0" anchor="ctr">
+            <a:normAutofit/>
+          </a:bodyPr>
+          <a:lstStyle>
+            <a:lvl1pPr algn="l" defTabSz="914400" rtl="0" eaLnBrk="1" latinLnBrk="0" hangingPunct="1">
+              <a:lnSpc>
+                <a:spcPct val="90000"/>
+              </a:lnSpc>
+              <a:spcBef>
+                <a:spcPct val="0"/>
+              </a:spcBef>
+              <a:buNone/>
+              <a:defRPr kumimoji="1" sz="2800" b="1" kern="1200">
+                <a:solidFill>
+                  <a:schemeClr val="bg1"/>
+                </a:solidFill>
+                <a:latin typeface="+mj-lt"/>
+                <a:ea typeface="+mj-ea"/>
+                <a:cs typeface="+mj-cs"/>
+              </a:defRPr>
+            </a:lvl1pPr>
+          </a:lstStyle>
+          <a:p>
+            <a:r>
               <a:rPr lang="ja-JP" altLang="en-US" dirty="0"/>
               <a:t>産業界のプラント・工場の将来の姿</a:t>
             </a:r>
@@ -18591,7 +19328,7 @@
 </p:sld>
 </file>
 
-<file path=ppt/slides/slide17.xml><?xml version="1.0" encoding="utf-8"?>
+<file path=ppt/slides/slide18.xml><?xml version="1.0" encoding="utf-8"?>
 <p:sld xmlns:a="http://schemas.openxmlformats.org/drawingml/2006/main" xmlns:r="http://schemas.openxmlformats.org/officeDocument/2006/relationships" xmlns:p="http://schemas.openxmlformats.org/presentationml/2006/main">
   <p:cSld>
     <p:spTree>
@@ -19121,7 +19858,7 @@
             <a:fld id="{584EAAFE-CFE5-40AD-8E95-5BFF290DC5CF}" type="slidenum">
               <a:rPr kumimoji="1" lang="ja-JP" altLang="en-US" smtClean="0"/>
               <a:pPr/>
-              <a:t>17</a:t>
+              <a:t>18</a:t>
             </a:fld>
             <a:endParaRPr kumimoji="1" lang="ja-JP" altLang="en-US"/>
           </a:p>
@@ -22119,6 +22856,42 @@
           </a:p>
         </p:txBody>
       </p:sp>
+      <p:sp>
+        <p:nvSpPr>
+          <p:cNvPr id="2" name="テキスト ボックス 1">
+            <a:extLst>
+              <a:ext uri="{FF2B5EF4-FFF2-40B4-BE49-F238E27FC236}">
+                <a16:creationId xmlns:a16="http://schemas.microsoft.com/office/drawing/2014/main" id="{80797ABE-541E-B39E-39F5-EFDC52A18BC0}"/>
+              </a:ext>
+            </a:extLst>
+          </p:cNvPr>
+          <p:cNvSpPr txBox="1"/>
+          <p:nvPr/>
+        </p:nvSpPr>
+        <p:spPr>
+          <a:xfrm>
+            <a:off x="3713827" y="3172611"/>
+            <a:ext cx="1687672" cy="307777"/>
+          </a:xfrm>
+          <a:prstGeom prst="rect">
+            <a:avLst/>
+          </a:prstGeom>
+          <a:noFill/>
+        </p:spPr>
+        <p:txBody>
+          <a:bodyPr wrap="square" rtlCol="0">
+            <a:spAutoFit/>
+          </a:bodyPr>
+          <a:lstStyle/>
+          <a:p>
+            <a:pPr algn="ctr"/>
+            <a:r>
+              <a:rPr kumimoji="1" lang="ja-JP" altLang="en-US" sz="1400" dirty="0"/>
+              <a:t>再エネ事業者</a:t>
+            </a:r>
+          </a:p>
+        </p:txBody>
+      </p:sp>
     </p:spTree>
     <p:extLst>
       <p:ext uri="{BB962C8B-B14F-4D97-AF65-F5344CB8AC3E}">
@@ -22132,7 +22905,7 @@
 </p:sld>
 </file>
 
-<file path=ppt/slides/slide18.xml><?xml version="1.0" encoding="utf-8"?>
+<file path=ppt/slides/slide19.xml><?xml version="1.0" encoding="utf-8"?>
 <p:sld xmlns:a="http://schemas.openxmlformats.org/drawingml/2006/main" xmlns:r="http://schemas.openxmlformats.org/officeDocument/2006/relationships" xmlns:p="http://schemas.openxmlformats.org/presentationml/2006/main">
   <p:cSld>
     <p:spTree>
@@ -22173,7 +22946,7 @@
             <a:fld id="{584EAAFE-CFE5-40AD-8E95-5BFF290DC5CF}" type="slidenum">
               <a:rPr kumimoji="1" lang="ja-JP" altLang="en-US" smtClean="0"/>
               <a:pPr/>
-              <a:t>18</a:t>
+              <a:t>19</a:t>
             </a:fld>
             <a:endParaRPr kumimoji="1" lang="ja-JP" altLang="en-US"/>
           </a:p>
@@ -23949,7 +24722,7 @@
                   <a:schemeClr val="tx1"/>
                 </a:solidFill>
               </a:rPr>
-              <a:t>配送・移動サービスとの融合</a:t>
+              <a:t>シェアリング、配送・移動サービスとの融合、需給のマッチング</a:t>
             </a:r>
             <a:endParaRPr kumimoji="1" lang="ja-JP" altLang="en-US" sz="1400" dirty="0">
               <a:solidFill>
@@ -24231,7 +25004,7 @@
         </p:nvSpPr>
         <p:spPr>
           <a:xfrm>
-            <a:off x="5459221" y="-632217"/>
+            <a:off x="6133757" y="-984"/>
             <a:ext cx="6142013" cy="705026"/>
           </a:xfrm>
           <a:prstGeom prst="wedgeRectCallout">
@@ -24299,174 +25072,6 @@
     <p:extLst>
       <p:ext uri="{BB962C8B-B14F-4D97-AF65-F5344CB8AC3E}">
         <p14:creationId xmlns:p14="http://schemas.microsoft.com/office/powerpoint/2010/main" val="1614072613"/>
-      </p:ext>
-    </p:extLst>
-  </p:cSld>
-  <p:clrMapOvr>
-    <a:masterClrMapping/>
-  </p:clrMapOvr>
-</p:sld>
-</file>
-
-<file path=ppt/slides/slide19.xml><?xml version="1.0" encoding="utf-8"?>
-<p:sld xmlns:a="http://schemas.openxmlformats.org/drawingml/2006/main" xmlns:r="http://schemas.openxmlformats.org/officeDocument/2006/relationships" xmlns:p="http://schemas.openxmlformats.org/presentationml/2006/main">
-  <p:cSld>
-    <p:spTree>
-      <p:nvGrpSpPr>
-        <p:cNvPr id="1" name=""/>
-        <p:cNvGrpSpPr/>
-        <p:nvPr/>
-      </p:nvGrpSpPr>
-      <p:grpSpPr>
-        <a:xfrm>
-          <a:off x="0" y="0"/>
-          <a:ext cx="0" cy="0"/>
-          <a:chOff x="0" y="0"/>
-          <a:chExt cx="0" cy="0"/>
-        </a:xfrm>
-      </p:grpSpPr>
-      <p:sp>
-        <p:nvSpPr>
-          <p:cNvPr id="5" name="タイトル 4">
-            <a:extLst>
-              <a:ext uri="{FF2B5EF4-FFF2-40B4-BE49-F238E27FC236}">
-                <a16:creationId xmlns:a16="http://schemas.microsoft.com/office/drawing/2014/main" id="{560C5BD5-1532-4087-ACF7-85710DC69FAA}"/>
-              </a:ext>
-            </a:extLst>
-          </p:cNvPr>
-          <p:cNvSpPr>
-            <a:spLocks noGrp="1"/>
-          </p:cNvSpPr>
-          <p:nvPr>
-            <p:ph type="title"/>
-          </p:nvPr>
-        </p:nvSpPr>
-        <p:spPr/>
-        <p:txBody>
-          <a:bodyPr/>
-          <a:lstStyle/>
-          <a:p>
-            <a:r>
-              <a:rPr lang="ja-JP" altLang="en-US" dirty="0"/>
-              <a:t>まとめ</a:t>
-            </a:r>
-            <a:endParaRPr lang="en-US" dirty="0"/>
-          </a:p>
-        </p:txBody>
-      </p:sp>
-      <p:sp>
-        <p:nvSpPr>
-          <p:cNvPr id="3" name="スライド番号プレースホルダー 2">
-            <a:extLst>
-              <a:ext uri="{FF2B5EF4-FFF2-40B4-BE49-F238E27FC236}">
-                <a16:creationId xmlns:a16="http://schemas.microsoft.com/office/drawing/2014/main" id="{ED23190D-575C-49DE-8293-87C3C1C8D779}"/>
-              </a:ext>
-            </a:extLst>
-          </p:cNvPr>
-          <p:cNvSpPr>
-            <a:spLocks noGrp="1"/>
-          </p:cNvSpPr>
-          <p:nvPr>
-            <p:ph type="sldNum" sz="quarter" idx="10"/>
-          </p:nvPr>
-        </p:nvSpPr>
-        <p:spPr/>
-        <p:txBody>
-          <a:bodyPr/>
-          <a:lstStyle/>
-          <a:p>
-            <a:fld id="{584EAAFE-CFE5-40AD-8E95-5BFF290DC5CF}" type="slidenum">
-              <a:rPr kumimoji="1" lang="ja-JP" altLang="en-US" smtClean="0"/>
-              <a:pPr/>
-              <a:t>19</a:t>
-            </a:fld>
-            <a:endParaRPr kumimoji="1" lang="ja-JP" altLang="en-US"/>
-          </a:p>
-        </p:txBody>
-      </p:sp>
-      <p:sp>
-        <p:nvSpPr>
-          <p:cNvPr id="9" name="テキスト プレースホルダー 8">
-            <a:extLst>
-              <a:ext uri="{FF2B5EF4-FFF2-40B4-BE49-F238E27FC236}">
-                <a16:creationId xmlns:a16="http://schemas.microsoft.com/office/drawing/2014/main" id="{A809889B-886C-09D3-E0E0-05C8C4A3F3EE}"/>
-              </a:ext>
-            </a:extLst>
-          </p:cNvPr>
-          <p:cNvSpPr>
-            <a:spLocks noGrp="1"/>
-          </p:cNvSpPr>
-          <p:nvPr>
-            <p:ph type="body" sz="quarter" idx="11"/>
-          </p:nvPr>
-        </p:nvSpPr>
-        <p:spPr/>
-        <p:txBody>
-          <a:bodyPr/>
-          <a:lstStyle/>
-          <a:p>
-            <a:r>
-              <a:rPr lang="en-US" altLang="ja-JP" sz="2800" dirty="0"/>
-              <a:t>SoS</a:t>
-            </a:r>
-            <a:r>
-              <a:rPr lang="ja-JP" altLang="en-US" sz="2800" dirty="0"/>
-              <a:t>の一般的な定義・事例を概観した後、製造業と</a:t>
-            </a:r>
-            <a:r>
-              <a:rPr lang="en-US" altLang="ja-JP" sz="2800" dirty="0"/>
-              <a:t>SoS</a:t>
-            </a:r>
-            <a:r>
-              <a:rPr lang="ja-JP" altLang="en-US" sz="2800" dirty="0"/>
-              <a:t>の関係、地域エネルギー管理システムの事例を紹介した。</a:t>
-            </a:r>
-            <a:endParaRPr lang="en-US" altLang="ja-JP" dirty="0"/>
-          </a:p>
-          <a:p>
-            <a:r>
-              <a:rPr lang="en-US" altLang="ja-JP" sz="2800" dirty="0"/>
-              <a:t>Society 5.0</a:t>
-            </a:r>
-            <a:r>
-              <a:rPr lang="ja-JP" altLang="en-US" sz="2800" dirty="0"/>
-              <a:t>の構想では、プラントの</a:t>
-            </a:r>
-            <a:r>
-              <a:rPr lang="en-US" altLang="ja-JP" sz="2800" dirty="0"/>
-              <a:t>SoS</a:t>
-            </a:r>
-            <a:r>
-              <a:rPr lang="ja-JP" altLang="en-US" sz="2800" dirty="0"/>
-              <a:t>化・</a:t>
-            </a:r>
-            <a:r>
-              <a:rPr lang="en-US" altLang="ja-JP" sz="2800" dirty="0"/>
-              <a:t>CPHS</a:t>
-            </a:r>
-            <a:r>
-              <a:rPr lang="ja-JP" altLang="en-US" sz="2800" dirty="0"/>
-              <a:t>化に伴って、サプライチェーン全体（人間を含む）への影響が拡大されていくことが予想される。</a:t>
-            </a:r>
-            <a:endParaRPr lang="en-US" altLang="ja-JP" sz="2800" dirty="0"/>
-          </a:p>
-          <a:p>
-            <a:r>
-              <a:rPr lang="en-US" altLang="ja-JP" sz="2800" dirty="0"/>
-              <a:t>YOKOGAWA</a:t>
-            </a:r>
-            <a:r>
-              <a:rPr lang="ja-JP" altLang="en-US" sz="2800" dirty="0"/>
-              <a:t>は、間接的な影響を考慮したサービス・価値を提供することを目指す。</a:t>
-            </a:r>
-            <a:endParaRPr lang="en-US" altLang="ja-JP" sz="2800" dirty="0"/>
-          </a:p>
-        </p:txBody>
-      </p:sp>
-    </p:spTree>
-    <p:extLst>
-      <p:ext uri="{BB962C8B-B14F-4D97-AF65-F5344CB8AC3E}">
-        <p14:creationId xmlns:p14="http://schemas.microsoft.com/office/powerpoint/2010/main" val="534514034"/>
       </p:ext>
     </p:extLst>
   </p:cSld>
@@ -24659,6 +25264,174 @@
       </p:grpSpPr>
       <p:sp>
         <p:nvSpPr>
+          <p:cNvPr id="5" name="タイトル 4">
+            <a:extLst>
+              <a:ext uri="{FF2B5EF4-FFF2-40B4-BE49-F238E27FC236}">
+                <a16:creationId xmlns:a16="http://schemas.microsoft.com/office/drawing/2014/main" id="{560C5BD5-1532-4087-ACF7-85710DC69FAA}"/>
+              </a:ext>
+            </a:extLst>
+          </p:cNvPr>
+          <p:cNvSpPr>
+            <a:spLocks noGrp="1"/>
+          </p:cNvSpPr>
+          <p:nvPr>
+            <p:ph type="title"/>
+          </p:nvPr>
+        </p:nvSpPr>
+        <p:spPr/>
+        <p:txBody>
+          <a:bodyPr/>
+          <a:lstStyle/>
+          <a:p>
+            <a:r>
+              <a:rPr lang="ja-JP" altLang="en-US" dirty="0"/>
+              <a:t>まとめ</a:t>
+            </a:r>
+            <a:endParaRPr lang="en-US" dirty="0"/>
+          </a:p>
+        </p:txBody>
+      </p:sp>
+      <p:sp>
+        <p:nvSpPr>
+          <p:cNvPr id="3" name="スライド番号プレースホルダー 2">
+            <a:extLst>
+              <a:ext uri="{FF2B5EF4-FFF2-40B4-BE49-F238E27FC236}">
+                <a16:creationId xmlns:a16="http://schemas.microsoft.com/office/drawing/2014/main" id="{ED23190D-575C-49DE-8293-87C3C1C8D779}"/>
+              </a:ext>
+            </a:extLst>
+          </p:cNvPr>
+          <p:cNvSpPr>
+            <a:spLocks noGrp="1"/>
+          </p:cNvSpPr>
+          <p:nvPr>
+            <p:ph type="sldNum" sz="quarter" idx="10"/>
+          </p:nvPr>
+        </p:nvSpPr>
+        <p:spPr/>
+        <p:txBody>
+          <a:bodyPr/>
+          <a:lstStyle/>
+          <a:p>
+            <a:fld id="{584EAAFE-CFE5-40AD-8E95-5BFF290DC5CF}" type="slidenum">
+              <a:rPr kumimoji="1" lang="ja-JP" altLang="en-US" smtClean="0"/>
+              <a:pPr/>
+              <a:t>20</a:t>
+            </a:fld>
+            <a:endParaRPr kumimoji="1" lang="ja-JP" altLang="en-US"/>
+          </a:p>
+        </p:txBody>
+      </p:sp>
+      <p:sp>
+        <p:nvSpPr>
+          <p:cNvPr id="9" name="テキスト プレースホルダー 8">
+            <a:extLst>
+              <a:ext uri="{FF2B5EF4-FFF2-40B4-BE49-F238E27FC236}">
+                <a16:creationId xmlns:a16="http://schemas.microsoft.com/office/drawing/2014/main" id="{A809889B-886C-09D3-E0E0-05C8C4A3F3EE}"/>
+              </a:ext>
+            </a:extLst>
+          </p:cNvPr>
+          <p:cNvSpPr>
+            <a:spLocks noGrp="1"/>
+          </p:cNvSpPr>
+          <p:nvPr>
+            <p:ph type="body" sz="quarter" idx="11"/>
+          </p:nvPr>
+        </p:nvSpPr>
+        <p:spPr/>
+        <p:txBody>
+          <a:bodyPr/>
+          <a:lstStyle/>
+          <a:p>
+            <a:r>
+              <a:rPr lang="en-US" altLang="ja-JP" sz="2800" dirty="0"/>
+              <a:t>SoS</a:t>
+            </a:r>
+            <a:r>
+              <a:rPr lang="ja-JP" altLang="en-US" sz="2800" dirty="0"/>
+              <a:t>の一般的な定義・事例を概観した後、製造業と</a:t>
+            </a:r>
+            <a:r>
+              <a:rPr lang="en-US" altLang="ja-JP" sz="2800" dirty="0"/>
+              <a:t>SoS</a:t>
+            </a:r>
+            <a:r>
+              <a:rPr lang="ja-JP" altLang="en-US" sz="2800" dirty="0"/>
+              <a:t>の関係、地域エネルギー管理システムの事例を紹介した。</a:t>
+            </a:r>
+            <a:endParaRPr lang="en-US" altLang="ja-JP" dirty="0"/>
+          </a:p>
+          <a:p>
+            <a:r>
+              <a:rPr lang="en-US" altLang="ja-JP" sz="2800" dirty="0"/>
+              <a:t>Society 5.0</a:t>
+            </a:r>
+            <a:r>
+              <a:rPr lang="ja-JP" altLang="en-US" sz="2800" dirty="0"/>
+              <a:t>の構想では、プラントの</a:t>
+            </a:r>
+            <a:r>
+              <a:rPr lang="en-US" altLang="ja-JP" sz="2800" dirty="0"/>
+              <a:t>SoS</a:t>
+            </a:r>
+            <a:r>
+              <a:rPr lang="ja-JP" altLang="en-US" sz="2800" dirty="0"/>
+              <a:t>化・</a:t>
+            </a:r>
+            <a:r>
+              <a:rPr lang="en-US" altLang="ja-JP" sz="2800" dirty="0"/>
+              <a:t>CPHS</a:t>
+            </a:r>
+            <a:r>
+              <a:rPr lang="ja-JP" altLang="en-US" sz="2800" dirty="0"/>
+              <a:t>化に伴って、サプライチェーン全体（人間を含む）への影響が拡大されていくことが予想される。</a:t>
+            </a:r>
+            <a:endParaRPr lang="en-US" altLang="ja-JP" sz="2800" dirty="0"/>
+          </a:p>
+          <a:p>
+            <a:r>
+              <a:rPr lang="en-US" altLang="ja-JP" sz="2800" dirty="0"/>
+              <a:t>YOKOGAWA</a:t>
+            </a:r>
+            <a:r>
+              <a:rPr lang="ja-JP" altLang="en-US" sz="2800" dirty="0"/>
+              <a:t>は、間接的な影響を考慮したサービス・価値を提供することを目指す。</a:t>
+            </a:r>
+            <a:endParaRPr lang="en-US" altLang="ja-JP" sz="2800" dirty="0"/>
+          </a:p>
+        </p:txBody>
+      </p:sp>
+    </p:spTree>
+    <p:extLst>
+      <p:ext uri="{BB962C8B-B14F-4D97-AF65-F5344CB8AC3E}">
+        <p14:creationId xmlns:p14="http://schemas.microsoft.com/office/powerpoint/2010/main" val="534514034"/>
+      </p:ext>
+    </p:extLst>
+  </p:cSld>
+  <p:clrMapOvr>
+    <a:masterClrMapping/>
+  </p:clrMapOvr>
+</p:sld>
+</file>
+
+<file path=ppt/slides/slide21.xml><?xml version="1.0" encoding="utf-8"?>
+<p:sld xmlns:a="http://schemas.openxmlformats.org/drawingml/2006/main" xmlns:r="http://schemas.openxmlformats.org/officeDocument/2006/relationships" xmlns:p="http://schemas.openxmlformats.org/presentationml/2006/main">
+  <p:cSld>
+    <p:spTree>
+      <p:nvGrpSpPr>
+        <p:cNvPr id="1" name=""/>
+        <p:cNvGrpSpPr/>
+        <p:nvPr/>
+      </p:nvGrpSpPr>
+      <p:grpSpPr>
+        <a:xfrm>
+          <a:off x="0" y="0"/>
+          <a:ext cx="0" cy="0"/>
+          <a:chOff x="0" y="0"/>
+          <a:chExt cx="0" cy="0"/>
+        </a:xfrm>
+      </p:grpSpPr>
+      <p:sp>
+        <p:nvSpPr>
           <p:cNvPr id="2" name="スライド番号プレースホルダー 1">
             <a:extLst>
               <a:ext uri="{FF2B5EF4-FFF2-40B4-BE49-F238E27FC236}">
@@ -24681,7 +25454,7 @@
             <a:fld id="{B3001740-FA51-4383-A84C-3DA006D12C29}" type="slidenum">
               <a:rPr lang="ja-JP" altLang="en-US" smtClean="0"/>
               <a:pPr/>
-              <a:t>20</a:t>
+              <a:t>21</a:t>
             </a:fld>
             <a:endParaRPr lang="ja-JP" altLang="en-US" dirty="0"/>
           </a:p>
@@ -24725,7 +25498,7 @@
 </p:sld>
 </file>
 
-<file path=ppt/slides/slide21.xml><?xml version="1.0" encoding="utf-8"?>
+<file path=ppt/slides/slide22.xml><?xml version="1.0" encoding="utf-8"?>
 <p:sld xmlns:a="http://schemas.openxmlformats.org/drawingml/2006/main" xmlns:r="http://schemas.openxmlformats.org/officeDocument/2006/relationships" xmlns:p="http://schemas.openxmlformats.org/presentationml/2006/main">
   <p:cSld>
     <p:spTree>
@@ -25714,7 +26487,7 @@
             <a:fld id="{584EAAFE-CFE5-40AD-8E95-5BFF290DC5CF}" type="slidenum">
               <a:rPr kumimoji="1" lang="ja-JP" altLang="en-US" smtClean="0"/>
               <a:pPr/>
-              <a:t>21</a:t>
+              <a:t>22</a:t>
             </a:fld>
             <a:endParaRPr kumimoji="1" lang="ja-JP" altLang="en-US"/>
           </a:p>
@@ -29452,1268 +30225,6 @@
 </p:sld>
 </file>
 
-<file path=ppt/slides/slide22.xml><?xml version="1.0" encoding="utf-8"?>
-<p:sld xmlns:a="http://schemas.openxmlformats.org/drawingml/2006/main" xmlns:r="http://schemas.openxmlformats.org/officeDocument/2006/relationships" xmlns:p="http://schemas.openxmlformats.org/presentationml/2006/main">
-  <p:cSld>
-    <p:spTree>
-      <p:nvGrpSpPr>
-        <p:cNvPr id="1" name=""/>
-        <p:cNvGrpSpPr/>
-        <p:nvPr/>
-      </p:nvGrpSpPr>
-      <p:grpSpPr>
-        <a:xfrm>
-          <a:off x="0" y="0"/>
-          <a:ext cx="0" cy="0"/>
-          <a:chOff x="0" y="0"/>
-          <a:chExt cx="0" cy="0"/>
-        </a:xfrm>
-      </p:grpSpPr>
-      <p:sp>
-        <p:nvSpPr>
-          <p:cNvPr id="5" name="タイトル 4">
-            <a:extLst>
-              <a:ext uri="{FF2B5EF4-FFF2-40B4-BE49-F238E27FC236}">
-                <a16:creationId xmlns:a16="http://schemas.microsoft.com/office/drawing/2014/main" id="{560C5BD5-1532-4087-ACF7-85710DC69FAA}"/>
-              </a:ext>
-            </a:extLst>
-          </p:cNvPr>
-          <p:cNvSpPr>
-            <a:spLocks noGrp="1"/>
-          </p:cNvSpPr>
-          <p:nvPr>
-            <p:ph type="title"/>
-          </p:nvPr>
-        </p:nvSpPr>
-        <p:spPr/>
-        <p:txBody>
-          <a:bodyPr/>
-          <a:lstStyle/>
-          <a:p>
-            <a:r>
-              <a:rPr lang="ja-JP" altLang="en-US" dirty="0"/>
-              <a:t>背景</a:t>
-            </a:r>
-            <a:endParaRPr lang="en-US" dirty="0"/>
-          </a:p>
-        </p:txBody>
-      </p:sp>
-      <p:sp>
-        <p:nvSpPr>
-          <p:cNvPr id="3" name="スライド番号プレースホルダー 2">
-            <a:extLst>
-              <a:ext uri="{FF2B5EF4-FFF2-40B4-BE49-F238E27FC236}">
-                <a16:creationId xmlns:a16="http://schemas.microsoft.com/office/drawing/2014/main" id="{ED23190D-575C-49DE-8293-87C3C1C8D779}"/>
-              </a:ext>
-            </a:extLst>
-          </p:cNvPr>
-          <p:cNvSpPr>
-            <a:spLocks noGrp="1"/>
-          </p:cNvSpPr>
-          <p:nvPr>
-            <p:ph type="sldNum" sz="quarter" idx="10"/>
-          </p:nvPr>
-        </p:nvSpPr>
-        <p:spPr/>
-        <p:txBody>
-          <a:bodyPr/>
-          <a:lstStyle/>
-          <a:p>
-            <a:fld id="{584EAAFE-CFE5-40AD-8E95-5BFF290DC5CF}" type="slidenum">
-              <a:rPr kumimoji="1" lang="ja-JP" altLang="en-US" smtClean="0"/>
-              <a:pPr/>
-              <a:t>22</a:t>
-            </a:fld>
-            <a:endParaRPr kumimoji="1" lang="ja-JP" altLang="en-US"/>
-          </a:p>
-        </p:txBody>
-      </p:sp>
-      <p:sp>
-        <p:nvSpPr>
-          <p:cNvPr id="2" name="テキスト ボックス 1">
-            <a:extLst>
-              <a:ext uri="{FF2B5EF4-FFF2-40B4-BE49-F238E27FC236}">
-                <a16:creationId xmlns:a16="http://schemas.microsoft.com/office/drawing/2014/main" id="{1990FC9A-C705-D4E7-368C-A78C9B9F302B}"/>
-              </a:ext>
-            </a:extLst>
-          </p:cNvPr>
-          <p:cNvSpPr txBox="1"/>
-          <p:nvPr/>
-        </p:nvSpPr>
-        <p:spPr>
-          <a:xfrm>
-            <a:off x="7518643" y="17942"/>
-            <a:ext cx="4579513" cy="369332"/>
-          </a:xfrm>
-          <a:prstGeom prst="rect">
-            <a:avLst/>
-          </a:prstGeom>
-          <a:noFill/>
-        </p:spPr>
-        <p:txBody>
-          <a:bodyPr wrap="square" rtlCol="0">
-            <a:spAutoFit/>
-          </a:bodyPr>
-          <a:lstStyle/>
-          <a:p>
-            <a:r>
-              <a:rPr lang="en-US" altLang="ja-JP" dirty="0">
-                <a:solidFill>
-                  <a:schemeClr val="bg1"/>
-                </a:solidFill>
-              </a:rPr>
-              <a:t>*CPHS: Cyber-Physical Human Systems</a:t>
-            </a:r>
-            <a:endParaRPr kumimoji="1" lang="ja-JP" altLang="en-US" dirty="0">
-              <a:solidFill>
-                <a:schemeClr val="bg1"/>
-              </a:solidFill>
-            </a:endParaRPr>
-          </a:p>
-        </p:txBody>
-      </p:sp>
-      <p:sp>
-        <p:nvSpPr>
-          <p:cNvPr id="4" name="テキスト ボックス 3">
-            <a:extLst>
-              <a:ext uri="{FF2B5EF4-FFF2-40B4-BE49-F238E27FC236}">
-                <a16:creationId xmlns:a16="http://schemas.microsoft.com/office/drawing/2014/main" id="{FAD53A6A-F45E-5FA0-D5F3-223D60A3E659}"/>
-              </a:ext>
-            </a:extLst>
-          </p:cNvPr>
-          <p:cNvSpPr txBox="1"/>
-          <p:nvPr/>
-        </p:nvSpPr>
-        <p:spPr>
-          <a:xfrm>
-            <a:off x="7518642" y="331412"/>
-            <a:ext cx="4579513" cy="369332"/>
-          </a:xfrm>
-          <a:prstGeom prst="rect">
-            <a:avLst/>
-          </a:prstGeom>
-          <a:noFill/>
-        </p:spPr>
-        <p:txBody>
-          <a:bodyPr wrap="square" rtlCol="0">
-            <a:spAutoFit/>
-          </a:bodyPr>
-          <a:lstStyle/>
-          <a:p>
-            <a:r>
-              <a:rPr lang="en-US" altLang="ja-JP" dirty="0">
-                <a:solidFill>
-                  <a:schemeClr val="bg1"/>
-                </a:solidFill>
-              </a:rPr>
-              <a:t>*SoS: System of Systems</a:t>
-            </a:r>
-            <a:endParaRPr kumimoji="1" lang="ja-JP" altLang="en-US" dirty="0">
-              <a:solidFill>
-                <a:schemeClr val="bg1"/>
-              </a:solidFill>
-            </a:endParaRPr>
-          </a:p>
-        </p:txBody>
-      </p:sp>
-      <p:sp>
-        <p:nvSpPr>
-          <p:cNvPr id="8" name="テキスト ボックス 7">
-            <a:extLst>
-              <a:ext uri="{FF2B5EF4-FFF2-40B4-BE49-F238E27FC236}">
-                <a16:creationId xmlns:a16="http://schemas.microsoft.com/office/drawing/2014/main" id="{215FDFB4-967A-06E6-B204-27B3EF559BF5}"/>
-              </a:ext>
-            </a:extLst>
-          </p:cNvPr>
-          <p:cNvSpPr txBox="1"/>
-          <p:nvPr/>
-        </p:nvSpPr>
-        <p:spPr>
-          <a:xfrm>
-            <a:off x="428297" y="1510784"/>
-            <a:ext cx="5426545" cy="923330"/>
-          </a:xfrm>
-          <a:prstGeom prst="rect">
-            <a:avLst/>
-          </a:prstGeom>
-          <a:noFill/>
-        </p:spPr>
-        <p:txBody>
-          <a:bodyPr wrap="square" rtlCol="0">
-            <a:spAutoFit/>
-          </a:bodyPr>
-          <a:lstStyle/>
-          <a:p>
-            <a:pPr marL="285750" indent="-285750">
-              <a:buFont typeface="Wingdings" panose="05000000000000000000" pitchFamily="2" charset="2"/>
-              <a:buChar char="Ø"/>
-            </a:pPr>
-            <a:r>
-              <a:rPr lang="ja-JP" altLang="en-US" dirty="0"/>
-              <a:t>目的：</a:t>
-            </a:r>
-            <a:r>
-              <a:rPr lang="en-US" altLang="ja-JP" dirty="0"/>
-              <a:t>CPHS</a:t>
-            </a:r>
-            <a:r>
-              <a:rPr lang="ja-JP" altLang="en-US" dirty="0"/>
-              <a:t>の観点から</a:t>
-            </a:r>
-            <a:r>
-              <a:rPr lang="en-US" altLang="ja-JP" dirty="0"/>
-              <a:t>SoS</a:t>
-            </a:r>
-            <a:r>
-              <a:rPr lang="ja-JP" altLang="en-US" dirty="0"/>
-              <a:t>を議論し、課題の提示、あるいは課題解決を図るための方策を提言すること</a:t>
-            </a:r>
-            <a:endParaRPr lang="en-US" altLang="ja-JP" dirty="0"/>
-          </a:p>
-          <a:p>
-            <a:pPr marL="285750" indent="-285750">
-              <a:buFont typeface="Wingdings" panose="05000000000000000000" pitchFamily="2" charset="2"/>
-              <a:buChar char="Ø"/>
-            </a:pPr>
-            <a:r>
-              <a:rPr kumimoji="1" lang="ja-JP" altLang="en-US" dirty="0"/>
-              <a:t>主な対象：人間系を含む</a:t>
-            </a:r>
-            <a:r>
-              <a:rPr kumimoji="1" lang="en-US" altLang="ja-JP" dirty="0"/>
-              <a:t>SoS</a:t>
-            </a:r>
-            <a:endParaRPr kumimoji="1" lang="ja-JP" altLang="en-US" dirty="0"/>
-          </a:p>
-        </p:txBody>
-      </p:sp>
-      <p:sp>
-        <p:nvSpPr>
-          <p:cNvPr id="11" name="テキスト ボックス 10">
-            <a:extLst>
-              <a:ext uri="{FF2B5EF4-FFF2-40B4-BE49-F238E27FC236}">
-                <a16:creationId xmlns:a16="http://schemas.microsoft.com/office/drawing/2014/main" id="{774203E9-5600-40D6-2AE8-BAFC8086EA20}"/>
-              </a:ext>
-            </a:extLst>
-          </p:cNvPr>
-          <p:cNvSpPr txBox="1"/>
-          <p:nvPr/>
-        </p:nvSpPr>
-        <p:spPr>
-          <a:xfrm>
-            <a:off x="6226318" y="1508228"/>
-            <a:ext cx="5577204" cy="646331"/>
-          </a:xfrm>
-          <a:prstGeom prst="rect">
-            <a:avLst/>
-          </a:prstGeom>
-          <a:noFill/>
-        </p:spPr>
-        <p:txBody>
-          <a:bodyPr wrap="square" rtlCol="0">
-            <a:spAutoFit/>
-          </a:bodyPr>
-          <a:lstStyle/>
-          <a:p>
-            <a:pPr marL="285750" indent="-285750">
-              <a:buFont typeface="Wingdings" panose="05000000000000000000" pitchFamily="2" charset="2"/>
-              <a:buChar char="Ø"/>
-            </a:pPr>
-            <a:r>
-              <a:rPr lang="ja-JP" altLang="en-US" dirty="0"/>
-              <a:t>各メンバーの背景が異なることもあり、</a:t>
-            </a:r>
-            <a:r>
-              <a:rPr lang="en-US" altLang="ja-JP" dirty="0"/>
-              <a:t>SoS</a:t>
-            </a:r>
-            <a:r>
-              <a:rPr lang="ja-JP" altLang="en-US" dirty="0"/>
-              <a:t>に対する認識に多少の差異を感じた</a:t>
-            </a:r>
-            <a:endParaRPr kumimoji="1" lang="ja-JP" altLang="en-US" dirty="0"/>
-          </a:p>
-        </p:txBody>
-      </p:sp>
-      <p:sp>
-        <p:nvSpPr>
-          <p:cNvPr id="12" name="テキスト ボックス 11">
-            <a:extLst>
-              <a:ext uri="{FF2B5EF4-FFF2-40B4-BE49-F238E27FC236}">
-                <a16:creationId xmlns:a16="http://schemas.microsoft.com/office/drawing/2014/main" id="{93D53C05-2631-6F2F-4635-3784B8BABD7D}"/>
-              </a:ext>
-            </a:extLst>
-          </p:cNvPr>
-          <p:cNvSpPr txBox="1"/>
-          <p:nvPr/>
-        </p:nvSpPr>
-        <p:spPr>
-          <a:xfrm>
-            <a:off x="425057" y="2511385"/>
-            <a:ext cx="11341886" cy="400110"/>
-          </a:xfrm>
-          <a:prstGeom prst="rect">
-            <a:avLst/>
-          </a:prstGeom>
-          <a:noFill/>
-        </p:spPr>
-        <p:txBody>
-          <a:bodyPr wrap="square" rtlCol="0">
-            <a:spAutoFit/>
-          </a:bodyPr>
-          <a:lstStyle/>
-          <a:p>
-            <a:pPr algn="ctr"/>
-            <a:r>
-              <a:rPr lang="en-US" altLang="ja-JP" sz="2000" b="1" dirty="0">
-                <a:solidFill>
-                  <a:schemeClr val="accent1"/>
-                </a:solidFill>
-              </a:rPr>
-              <a:t>SoS</a:t>
-            </a:r>
-            <a:r>
-              <a:rPr lang="ja-JP" altLang="en-US" sz="2000" b="1" dirty="0">
-                <a:solidFill>
-                  <a:schemeClr val="accent1"/>
-                </a:solidFill>
-              </a:rPr>
-              <a:t>や</a:t>
-            </a:r>
-            <a:r>
-              <a:rPr lang="en-US" altLang="ja-JP" sz="2000" b="1" dirty="0">
-                <a:solidFill>
-                  <a:schemeClr val="accent1"/>
-                </a:solidFill>
-              </a:rPr>
-              <a:t>CPHS</a:t>
-            </a:r>
-            <a:r>
-              <a:rPr lang="ja-JP" altLang="en-US" sz="2000" b="1" dirty="0">
-                <a:solidFill>
-                  <a:schemeClr val="accent1"/>
-                </a:solidFill>
-              </a:rPr>
-              <a:t>の共通の認識や軸をいくつか置くと、調査済の事例や個々の意見をよりまとめやすくなると考えた。</a:t>
-            </a:r>
-            <a:endParaRPr kumimoji="1" lang="ja-JP" altLang="en-US" sz="2000" b="1" dirty="0">
-              <a:solidFill>
-                <a:schemeClr val="accent1"/>
-              </a:solidFill>
-            </a:endParaRPr>
-          </a:p>
-        </p:txBody>
-      </p:sp>
-      <p:cxnSp>
-        <p:nvCxnSpPr>
-          <p:cNvPr id="16" name="直線コネクタ 15">
-            <a:extLst>
-              <a:ext uri="{FF2B5EF4-FFF2-40B4-BE49-F238E27FC236}">
-                <a16:creationId xmlns:a16="http://schemas.microsoft.com/office/drawing/2014/main" id="{E529B479-E453-456B-CA84-156B978033AA}"/>
-              </a:ext>
-            </a:extLst>
-          </p:cNvPr>
-          <p:cNvCxnSpPr>
-            <a:cxnSpLocks/>
-          </p:cNvCxnSpPr>
-          <p:nvPr/>
-        </p:nvCxnSpPr>
-        <p:spPr>
-          <a:xfrm>
-            <a:off x="490762" y="1319212"/>
-            <a:ext cx="5301615" cy="0"/>
-          </a:xfrm>
-          <a:prstGeom prst="line">
-            <a:avLst/>
-          </a:prstGeom>
-          <a:ln w="28575">
-            <a:solidFill>
-              <a:schemeClr val="bg1">
-                <a:lumMod val="65000"/>
-              </a:schemeClr>
-            </a:solidFill>
-            <a:headEnd type="none" w="med" len="med"/>
-            <a:tailEnd type="none" w="med" len="med"/>
-          </a:ln>
-        </p:spPr>
-        <p:style>
-          <a:lnRef idx="1">
-            <a:schemeClr val="accent1"/>
-          </a:lnRef>
-          <a:fillRef idx="0">
-            <a:schemeClr val="accent1"/>
-          </a:fillRef>
-          <a:effectRef idx="0">
-            <a:schemeClr val="accent1"/>
-          </a:effectRef>
-          <a:fontRef idx="minor">
-            <a:schemeClr val="tx1"/>
-          </a:fontRef>
-        </p:style>
-      </p:cxnSp>
-      <p:cxnSp>
-        <p:nvCxnSpPr>
-          <p:cNvPr id="17" name="直線コネクタ 16">
-            <a:extLst>
-              <a:ext uri="{FF2B5EF4-FFF2-40B4-BE49-F238E27FC236}">
-                <a16:creationId xmlns:a16="http://schemas.microsoft.com/office/drawing/2014/main" id="{F4163DC0-EAC1-9703-38C6-F3B991A915EF}"/>
-              </a:ext>
-            </a:extLst>
-          </p:cNvPr>
-          <p:cNvCxnSpPr>
-            <a:cxnSpLocks/>
-          </p:cNvCxnSpPr>
-          <p:nvPr/>
-        </p:nvCxnSpPr>
-        <p:spPr>
-          <a:xfrm>
-            <a:off x="6364113" y="1319212"/>
-            <a:ext cx="5301615" cy="0"/>
-          </a:xfrm>
-          <a:prstGeom prst="line">
-            <a:avLst/>
-          </a:prstGeom>
-          <a:ln w="28575">
-            <a:solidFill>
-              <a:schemeClr val="bg1">
-                <a:lumMod val="65000"/>
-              </a:schemeClr>
-            </a:solidFill>
-            <a:headEnd type="none" w="med" len="med"/>
-            <a:tailEnd type="none" w="med" len="med"/>
-          </a:ln>
-        </p:spPr>
-        <p:style>
-          <a:lnRef idx="1">
-            <a:schemeClr val="accent1"/>
-          </a:lnRef>
-          <a:fillRef idx="0">
-            <a:schemeClr val="accent1"/>
-          </a:fillRef>
-          <a:effectRef idx="0">
-            <a:schemeClr val="accent1"/>
-          </a:effectRef>
-          <a:fontRef idx="minor">
-            <a:schemeClr val="tx1"/>
-          </a:fontRef>
-        </p:style>
-      </p:cxnSp>
-      <p:sp>
-        <p:nvSpPr>
-          <p:cNvPr id="18" name="テキスト ボックス 17">
-            <a:extLst>
-              <a:ext uri="{FF2B5EF4-FFF2-40B4-BE49-F238E27FC236}">
-                <a16:creationId xmlns:a16="http://schemas.microsoft.com/office/drawing/2014/main" id="{1394E660-0707-3ACA-7687-133682240EE7}"/>
-              </a:ext>
-            </a:extLst>
-          </p:cNvPr>
-          <p:cNvSpPr txBox="1"/>
-          <p:nvPr/>
-        </p:nvSpPr>
-        <p:spPr>
-          <a:xfrm>
-            <a:off x="851813" y="923694"/>
-            <a:ext cx="4579513" cy="369332"/>
-          </a:xfrm>
-          <a:prstGeom prst="rect">
-            <a:avLst/>
-          </a:prstGeom>
-          <a:noFill/>
-        </p:spPr>
-        <p:txBody>
-          <a:bodyPr wrap="square" rtlCol="0">
-            <a:spAutoFit/>
-          </a:bodyPr>
-          <a:lstStyle/>
-          <a:p>
-            <a:pPr algn="ctr"/>
-            <a:r>
-              <a:rPr lang="en-US" altLang="ja-JP" b="1" dirty="0"/>
-              <a:t>SoS</a:t>
-            </a:r>
-            <a:r>
-              <a:rPr lang="ja-JP" altLang="en-US" b="1" dirty="0"/>
-              <a:t>分科会の目的と対象</a:t>
-            </a:r>
-            <a:endParaRPr kumimoji="1" lang="ja-JP" altLang="en-US" b="1" dirty="0"/>
-          </a:p>
-        </p:txBody>
-      </p:sp>
-      <p:sp>
-        <p:nvSpPr>
-          <p:cNvPr id="19" name="テキスト ボックス 18">
-            <a:extLst>
-              <a:ext uri="{FF2B5EF4-FFF2-40B4-BE49-F238E27FC236}">
-                <a16:creationId xmlns:a16="http://schemas.microsoft.com/office/drawing/2014/main" id="{A59C469F-4A48-49A5-DE99-F5D15E4B2CE4}"/>
-              </a:ext>
-            </a:extLst>
-          </p:cNvPr>
-          <p:cNvSpPr txBox="1"/>
-          <p:nvPr/>
-        </p:nvSpPr>
-        <p:spPr>
-          <a:xfrm>
-            <a:off x="6725164" y="923694"/>
-            <a:ext cx="4579513" cy="369332"/>
-          </a:xfrm>
-          <a:prstGeom prst="rect">
-            <a:avLst/>
-          </a:prstGeom>
-          <a:noFill/>
-        </p:spPr>
-        <p:txBody>
-          <a:bodyPr wrap="square" rtlCol="0">
-            <a:spAutoFit/>
-          </a:bodyPr>
-          <a:lstStyle/>
-          <a:p>
-            <a:pPr algn="ctr"/>
-            <a:r>
-              <a:rPr kumimoji="1" lang="ja-JP" altLang="en-US" b="1" dirty="0"/>
-              <a:t>第</a:t>
-            </a:r>
-            <a:r>
-              <a:rPr kumimoji="1" lang="en-US" altLang="ja-JP" b="1" dirty="0"/>
-              <a:t>5</a:t>
-            </a:r>
-            <a:r>
-              <a:rPr kumimoji="1" lang="ja-JP" altLang="en-US" b="1" dirty="0"/>
-              <a:t>回（</a:t>
-            </a:r>
-            <a:r>
-              <a:rPr kumimoji="1" lang="en-US" altLang="ja-JP" b="1" dirty="0"/>
-              <a:t>7</a:t>
-            </a:r>
-            <a:r>
-              <a:rPr kumimoji="1" lang="ja-JP" altLang="en-US" b="1" dirty="0"/>
-              <a:t>月</a:t>
-            </a:r>
-            <a:r>
-              <a:rPr kumimoji="1" lang="en-US" altLang="ja-JP" b="1" dirty="0"/>
-              <a:t>20</a:t>
-            </a:r>
-            <a:r>
-              <a:rPr kumimoji="1" lang="ja-JP" altLang="en-US" b="1" dirty="0"/>
-              <a:t>日）の感想</a:t>
-            </a:r>
-          </a:p>
-        </p:txBody>
-      </p:sp>
-      <p:sp>
-        <p:nvSpPr>
-          <p:cNvPr id="20" name="テキスト ボックス 19">
-            <a:extLst>
-              <a:ext uri="{FF2B5EF4-FFF2-40B4-BE49-F238E27FC236}">
-                <a16:creationId xmlns:a16="http://schemas.microsoft.com/office/drawing/2014/main" id="{6B221BD3-2826-D93C-4303-96FBF2EC6933}"/>
-              </a:ext>
-            </a:extLst>
-          </p:cNvPr>
-          <p:cNvSpPr txBox="1"/>
-          <p:nvPr/>
-        </p:nvSpPr>
-        <p:spPr>
-          <a:xfrm>
-            <a:off x="545069" y="3086858"/>
-            <a:ext cx="738818" cy="369332"/>
-          </a:xfrm>
-          <a:prstGeom prst="rect">
-            <a:avLst/>
-          </a:prstGeom>
-          <a:noFill/>
-        </p:spPr>
-        <p:txBody>
-          <a:bodyPr wrap="square" rtlCol="0">
-            <a:spAutoFit/>
-          </a:bodyPr>
-          <a:lstStyle/>
-          <a:p>
-            <a:pPr algn="ctr"/>
-            <a:r>
-              <a:rPr lang="ja-JP" altLang="en-US" dirty="0"/>
-              <a:t>例）</a:t>
-            </a:r>
-            <a:endParaRPr kumimoji="1" lang="ja-JP" altLang="en-US" dirty="0"/>
-          </a:p>
-        </p:txBody>
-      </p:sp>
-      <p:sp>
-        <p:nvSpPr>
-          <p:cNvPr id="21" name="四角形: 角を丸くする 20">
-            <a:extLst>
-              <a:ext uri="{FF2B5EF4-FFF2-40B4-BE49-F238E27FC236}">
-                <a16:creationId xmlns:a16="http://schemas.microsoft.com/office/drawing/2014/main" id="{8D0261CA-E05B-2C79-3FDA-F7635947CB18}"/>
-              </a:ext>
-            </a:extLst>
-          </p:cNvPr>
-          <p:cNvSpPr/>
-          <p:nvPr/>
-        </p:nvSpPr>
-        <p:spPr>
-          <a:xfrm>
-            <a:off x="1811173" y="3938876"/>
-            <a:ext cx="1727885" cy="1050422"/>
-          </a:xfrm>
-          <a:prstGeom prst="roundRect">
-            <a:avLst/>
-          </a:prstGeom>
-          <a:solidFill>
-            <a:schemeClr val="bg1"/>
-          </a:solidFill>
-          <a:ln w="19050">
-            <a:solidFill>
-              <a:schemeClr val="accent3"/>
-            </a:solidFill>
-            <a:prstDash val="dash"/>
-          </a:ln>
-        </p:spPr>
-        <p:style>
-          <a:lnRef idx="2">
-            <a:schemeClr val="accent1">
-              <a:shade val="50000"/>
-            </a:schemeClr>
-          </a:lnRef>
-          <a:fillRef idx="1">
-            <a:schemeClr val="accent1"/>
-          </a:fillRef>
-          <a:effectRef idx="0">
-            <a:schemeClr val="accent1"/>
-          </a:effectRef>
-          <a:fontRef idx="minor">
-            <a:schemeClr val="lt1"/>
-          </a:fontRef>
-        </p:style>
-        <p:txBody>
-          <a:bodyPr rtlCol="0" anchor="ctr"/>
-          <a:lstStyle/>
-          <a:p>
-            <a:pPr algn="ctr"/>
-            <a:endParaRPr kumimoji="1" lang="ja-JP" altLang="en-US">
-              <a:solidFill>
-                <a:schemeClr val="tx1"/>
-              </a:solidFill>
-            </a:endParaRPr>
-          </a:p>
-        </p:txBody>
-      </p:sp>
-      <p:sp>
-        <p:nvSpPr>
-          <p:cNvPr id="22" name="四角形: 角を丸くする 21">
-            <a:extLst>
-              <a:ext uri="{FF2B5EF4-FFF2-40B4-BE49-F238E27FC236}">
-                <a16:creationId xmlns:a16="http://schemas.microsoft.com/office/drawing/2014/main" id="{2FE70714-D976-A1A2-9BAC-5FB247EB3D3D}"/>
-              </a:ext>
-            </a:extLst>
-          </p:cNvPr>
-          <p:cNvSpPr/>
-          <p:nvPr/>
-        </p:nvSpPr>
-        <p:spPr>
-          <a:xfrm>
-            <a:off x="1811173" y="5092086"/>
-            <a:ext cx="1727886" cy="1050422"/>
-          </a:xfrm>
-          <a:prstGeom prst="roundRect">
-            <a:avLst/>
-          </a:prstGeom>
-          <a:solidFill>
-            <a:schemeClr val="bg1"/>
-          </a:solidFill>
-          <a:ln w="19050">
-            <a:solidFill>
-              <a:schemeClr val="accent3"/>
-            </a:solidFill>
-            <a:prstDash val="dash"/>
-          </a:ln>
-        </p:spPr>
-        <p:style>
-          <a:lnRef idx="2">
-            <a:schemeClr val="accent1">
-              <a:shade val="50000"/>
-            </a:schemeClr>
-          </a:lnRef>
-          <a:fillRef idx="1">
-            <a:schemeClr val="accent1"/>
-          </a:fillRef>
-          <a:effectRef idx="0">
-            <a:schemeClr val="accent1"/>
-          </a:effectRef>
-          <a:fontRef idx="minor">
-            <a:schemeClr val="lt1"/>
-          </a:fontRef>
-        </p:style>
-        <p:txBody>
-          <a:bodyPr rtlCol="0" anchor="ctr"/>
-          <a:lstStyle/>
-          <a:p>
-            <a:pPr algn="ctr"/>
-            <a:endParaRPr kumimoji="1" lang="ja-JP" altLang="en-US">
-              <a:solidFill>
-                <a:schemeClr val="tx1"/>
-              </a:solidFill>
-            </a:endParaRPr>
-          </a:p>
-        </p:txBody>
-      </p:sp>
-      <p:sp>
-        <p:nvSpPr>
-          <p:cNvPr id="24" name="テキスト ボックス 23">
-            <a:extLst>
-              <a:ext uri="{FF2B5EF4-FFF2-40B4-BE49-F238E27FC236}">
-                <a16:creationId xmlns:a16="http://schemas.microsoft.com/office/drawing/2014/main" id="{5C7D46B9-D0B2-2598-3BE1-2FA0C4C67DF2}"/>
-              </a:ext>
-            </a:extLst>
-          </p:cNvPr>
-          <p:cNvSpPr txBox="1"/>
-          <p:nvPr/>
-        </p:nvSpPr>
-        <p:spPr>
-          <a:xfrm>
-            <a:off x="6898112" y="4467674"/>
-            <a:ext cx="4461985" cy="707886"/>
-          </a:xfrm>
-          <a:prstGeom prst="rect">
-            <a:avLst/>
-          </a:prstGeom>
-          <a:noFill/>
-        </p:spPr>
-        <p:txBody>
-          <a:bodyPr wrap="square" rtlCol="0">
-            <a:spAutoFit/>
-          </a:bodyPr>
-          <a:lstStyle/>
-          <a:p>
-            <a:r>
-              <a:rPr kumimoji="1" lang="ja-JP" altLang="en-US" sz="2000" b="1" dirty="0"/>
-              <a:t>各区分特有の、</a:t>
-            </a:r>
-            <a:r>
-              <a:rPr kumimoji="1" lang="en-US" altLang="ja-JP" sz="2000" b="1" dirty="0"/>
-              <a:t>SoS</a:t>
-            </a:r>
-            <a:r>
-              <a:rPr kumimoji="1" lang="ja-JP" altLang="en-US" sz="2000" b="1" dirty="0"/>
-              <a:t>構築・運用の課題あるいは適切なアプローチをまとめる</a:t>
-            </a:r>
-            <a:r>
-              <a:rPr kumimoji="1" lang="ja-JP" altLang="en-US" sz="2000" dirty="0"/>
-              <a:t>など</a:t>
-            </a:r>
-          </a:p>
-        </p:txBody>
-      </p:sp>
-      <p:sp>
-        <p:nvSpPr>
-          <p:cNvPr id="25" name="テキスト ボックス 24">
-            <a:extLst>
-              <a:ext uri="{FF2B5EF4-FFF2-40B4-BE49-F238E27FC236}">
-                <a16:creationId xmlns:a16="http://schemas.microsoft.com/office/drawing/2014/main" id="{48682813-429A-4BD6-6121-C0544768BD19}"/>
-              </a:ext>
-            </a:extLst>
-          </p:cNvPr>
-          <p:cNvSpPr txBox="1"/>
-          <p:nvPr/>
-        </p:nvSpPr>
-        <p:spPr>
-          <a:xfrm>
-            <a:off x="545069" y="3938876"/>
-            <a:ext cx="640344" cy="369332"/>
-          </a:xfrm>
-          <a:prstGeom prst="rect">
-            <a:avLst/>
-          </a:prstGeom>
-          <a:noFill/>
-        </p:spPr>
-        <p:txBody>
-          <a:bodyPr wrap="square" rtlCol="0">
-            <a:spAutoFit/>
-          </a:bodyPr>
-          <a:lstStyle/>
-          <a:p>
-            <a:pPr algn="ctr"/>
-            <a:r>
-              <a:rPr lang="ja-JP" altLang="en-US" dirty="0">
-                <a:solidFill>
-                  <a:schemeClr val="accent1"/>
-                </a:solidFill>
-              </a:rPr>
-              <a:t>縦軸</a:t>
-            </a:r>
-            <a:endParaRPr kumimoji="1" lang="ja-JP" altLang="en-US" dirty="0">
-              <a:solidFill>
-                <a:schemeClr val="accent1"/>
-              </a:solidFill>
-            </a:endParaRPr>
-          </a:p>
-        </p:txBody>
-      </p:sp>
-      <p:sp>
-        <p:nvSpPr>
-          <p:cNvPr id="26" name="テキスト ボックス 25">
-            <a:extLst>
-              <a:ext uri="{FF2B5EF4-FFF2-40B4-BE49-F238E27FC236}">
-                <a16:creationId xmlns:a16="http://schemas.microsoft.com/office/drawing/2014/main" id="{53614106-0C0B-6787-2847-8AEDD2C8E288}"/>
-              </a:ext>
-            </a:extLst>
-          </p:cNvPr>
-          <p:cNvSpPr txBox="1"/>
-          <p:nvPr/>
-        </p:nvSpPr>
-        <p:spPr>
-          <a:xfrm>
-            <a:off x="1756940" y="3086858"/>
-            <a:ext cx="640344" cy="369332"/>
-          </a:xfrm>
-          <a:prstGeom prst="rect">
-            <a:avLst/>
-          </a:prstGeom>
-          <a:noFill/>
-        </p:spPr>
-        <p:txBody>
-          <a:bodyPr wrap="square" rtlCol="0">
-            <a:spAutoFit/>
-          </a:bodyPr>
-          <a:lstStyle/>
-          <a:p>
-            <a:pPr algn="ctr"/>
-            <a:r>
-              <a:rPr lang="ja-JP" altLang="en-US" dirty="0">
-                <a:solidFill>
-                  <a:schemeClr val="accent4"/>
-                </a:solidFill>
-              </a:rPr>
-              <a:t>横軸</a:t>
-            </a:r>
-            <a:endParaRPr kumimoji="1" lang="ja-JP" altLang="en-US" dirty="0">
-              <a:solidFill>
-                <a:schemeClr val="accent4"/>
-              </a:solidFill>
-            </a:endParaRPr>
-          </a:p>
-        </p:txBody>
-      </p:sp>
-      <p:sp>
-        <p:nvSpPr>
-          <p:cNvPr id="27" name="正方形/長方形 26">
-            <a:extLst>
-              <a:ext uri="{FF2B5EF4-FFF2-40B4-BE49-F238E27FC236}">
-                <a16:creationId xmlns:a16="http://schemas.microsoft.com/office/drawing/2014/main" id="{21F5AE04-5F4A-28B0-3D7A-863E656EFDCD}"/>
-              </a:ext>
-            </a:extLst>
-          </p:cNvPr>
-          <p:cNvSpPr/>
-          <p:nvPr/>
-        </p:nvSpPr>
-        <p:spPr>
-          <a:xfrm>
-            <a:off x="1272919" y="3938876"/>
-            <a:ext cx="366975" cy="2203632"/>
-          </a:xfrm>
-          <a:prstGeom prst="rect">
-            <a:avLst/>
-          </a:prstGeom>
-          <a:solidFill>
-            <a:schemeClr val="accent1"/>
-          </a:solidFill>
-        </p:spPr>
-        <p:style>
-          <a:lnRef idx="2">
-            <a:schemeClr val="accent1">
-              <a:shade val="50000"/>
-            </a:schemeClr>
-          </a:lnRef>
-          <a:fillRef idx="1">
-            <a:schemeClr val="accent1"/>
-          </a:fillRef>
-          <a:effectRef idx="0">
-            <a:schemeClr val="accent1"/>
-          </a:effectRef>
-          <a:fontRef idx="minor">
-            <a:schemeClr val="lt1"/>
-          </a:fontRef>
-        </p:style>
-        <p:txBody>
-          <a:bodyPr vert="vert270" rtlCol="0" anchor="ctr"/>
-          <a:lstStyle/>
-          <a:p>
-            <a:pPr algn="ctr"/>
-            <a:r>
-              <a:rPr kumimoji="1" lang="en-US" altLang="ja-JP" dirty="0">
-                <a:solidFill>
-                  <a:schemeClr val="bg1"/>
-                </a:solidFill>
-              </a:rPr>
-              <a:t>SoS</a:t>
-            </a:r>
-            <a:r>
-              <a:rPr kumimoji="1" lang="ja-JP" altLang="en-US" dirty="0">
-                <a:solidFill>
-                  <a:schemeClr val="bg1"/>
-                </a:solidFill>
-              </a:rPr>
-              <a:t>の分類を表す軸</a:t>
-            </a:r>
-          </a:p>
-        </p:txBody>
-      </p:sp>
-      <p:sp>
-        <p:nvSpPr>
-          <p:cNvPr id="28" name="正方形/長方形 27">
-            <a:extLst>
-              <a:ext uri="{FF2B5EF4-FFF2-40B4-BE49-F238E27FC236}">
-                <a16:creationId xmlns:a16="http://schemas.microsoft.com/office/drawing/2014/main" id="{D50CC503-A801-DF6C-DE70-12ABDCBD35DA}"/>
-              </a:ext>
-            </a:extLst>
-          </p:cNvPr>
-          <p:cNvSpPr/>
-          <p:nvPr/>
-        </p:nvSpPr>
-        <p:spPr>
-          <a:xfrm rot="5400000">
-            <a:off x="3481085" y="1768616"/>
-            <a:ext cx="395250" cy="3735071"/>
-          </a:xfrm>
-          <a:prstGeom prst="rect">
-            <a:avLst/>
-          </a:prstGeom>
-          <a:solidFill>
-            <a:schemeClr val="accent4"/>
-          </a:solidFill>
-          <a:ln>
-            <a:solidFill>
-              <a:schemeClr val="accent4">
-                <a:lumMod val="75000"/>
-              </a:schemeClr>
-            </a:solidFill>
-          </a:ln>
-        </p:spPr>
-        <p:style>
-          <a:lnRef idx="2">
-            <a:schemeClr val="accent1">
-              <a:shade val="50000"/>
-            </a:schemeClr>
-          </a:lnRef>
-          <a:fillRef idx="1">
-            <a:schemeClr val="accent1"/>
-          </a:fillRef>
-          <a:effectRef idx="0">
-            <a:schemeClr val="accent1"/>
-          </a:effectRef>
-          <a:fontRef idx="minor">
-            <a:schemeClr val="lt1"/>
-          </a:fontRef>
-        </p:style>
-        <p:txBody>
-          <a:bodyPr vert="vert270" rtlCol="0" anchor="ctr"/>
-          <a:lstStyle/>
-          <a:p>
-            <a:pPr algn="ctr"/>
-            <a:r>
-              <a:rPr kumimoji="1" lang="ja-JP" altLang="en-US" dirty="0">
-                <a:solidFill>
-                  <a:schemeClr val="bg1"/>
-                </a:solidFill>
-              </a:rPr>
-              <a:t>人とシステムの関係を表す軸</a:t>
-            </a:r>
-          </a:p>
-        </p:txBody>
-      </p:sp>
-      <p:sp>
-        <p:nvSpPr>
-          <p:cNvPr id="29" name="四角形: 角を丸くする 28">
-            <a:extLst>
-              <a:ext uri="{FF2B5EF4-FFF2-40B4-BE49-F238E27FC236}">
-                <a16:creationId xmlns:a16="http://schemas.microsoft.com/office/drawing/2014/main" id="{B2D627F3-4AF1-0B9F-CCB9-C43883790760}"/>
-              </a:ext>
-            </a:extLst>
-          </p:cNvPr>
-          <p:cNvSpPr/>
-          <p:nvPr/>
-        </p:nvSpPr>
-        <p:spPr>
-          <a:xfrm>
-            <a:off x="3818361" y="3938876"/>
-            <a:ext cx="1727885" cy="1050422"/>
-          </a:xfrm>
-          <a:prstGeom prst="roundRect">
-            <a:avLst/>
-          </a:prstGeom>
-          <a:solidFill>
-            <a:schemeClr val="bg1"/>
-          </a:solidFill>
-          <a:ln w="19050">
-            <a:solidFill>
-              <a:schemeClr val="accent3"/>
-            </a:solidFill>
-            <a:prstDash val="dash"/>
-          </a:ln>
-        </p:spPr>
-        <p:style>
-          <a:lnRef idx="2">
-            <a:schemeClr val="accent1">
-              <a:shade val="50000"/>
-            </a:schemeClr>
-          </a:lnRef>
-          <a:fillRef idx="1">
-            <a:schemeClr val="accent1"/>
-          </a:fillRef>
-          <a:effectRef idx="0">
-            <a:schemeClr val="accent1"/>
-          </a:effectRef>
-          <a:fontRef idx="minor">
-            <a:schemeClr val="lt1"/>
-          </a:fontRef>
-        </p:style>
-        <p:txBody>
-          <a:bodyPr rtlCol="0" anchor="ctr"/>
-          <a:lstStyle/>
-          <a:p>
-            <a:pPr algn="ctr"/>
-            <a:endParaRPr kumimoji="1" lang="ja-JP" altLang="en-US">
-              <a:solidFill>
-                <a:schemeClr val="tx1"/>
-              </a:solidFill>
-            </a:endParaRPr>
-          </a:p>
-        </p:txBody>
-      </p:sp>
-      <p:sp>
-        <p:nvSpPr>
-          <p:cNvPr id="30" name="四角形: 角を丸くする 29">
-            <a:extLst>
-              <a:ext uri="{FF2B5EF4-FFF2-40B4-BE49-F238E27FC236}">
-                <a16:creationId xmlns:a16="http://schemas.microsoft.com/office/drawing/2014/main" id="{2AE6B360-415D-ABB8-3CAC-0C4FFA5BC11B}"/>
-              </a:ext>
-            </a:extLst>
-          </p:cNvPr>
-          <p:cNvSpPr/>
-          <p:nvPr/>
-        </p:nvSpPr>
-        <p:spPr>
-          <a:xfrm>
-            <a:off x="3818361" y="5092086"/>
-            <a:ext cx="1727885" cy="1050422"/>
-          </a:xfrm>
-          <a:prstGeom prst="roundRect">
-            <a:avLst/>
-          </a:prstGeom>
-          <a:solidFill>
-            <a:schemeClr val="bg1"/>
-          </a:solidFill>
-          <a:ln w="19050">
-            <a:solidFill>
-              <a:schemeClr val="accent3"/>
-            </a:solidFill>
-            <a:prstDash val="dash"/>
-          </a:ln>
-        </p:spPr>
-        <p:style>
-          <a:lnRef idx="2">
-            <a:schemeClr val="accent1">
-              <a:shade val="50000"/>
-            </a:schemeClr>
-          </a:lnRef>
-          <a:fillRef idx="1">
-            <a:schemeClr val="accent1"/>
-          </a:fillRef>
-          <a:effectRef idx="0">
-            <a:schemeClr val="accent1"/>
-          </a:effectRef>
-          <a:fontRef idx="minor">
-            <a:schemeClr val="lt1"/>
-          </a:fontRef>
-        </p:style>
-        <p:txBody>
-          <a:bodyPr rtlCol="0" anchor="ctr"/>
-          <a:lstStyle/>
-          <a:p>
-            <a:pPr algn="ctr"/>
-            <a:endParaRPr kumimoji="1" lang="ja-JP" altLang="en-US">
-              <a:solidFill>
-                <a:schemeClr val="tx1"/>
-              </a:solidFill>
-            </a:endParaRPr>
-          </a:p>
-        </p:txBody>
-      </p:sp>
-      <p:sp>
-        <p:nvSpPr>
-          <p:cNvPr id="31" name="テキスト ボックス 30">
-            <a:extLst>
-              <a:ext uri="{FF2B5EF4-FFF2-40B4-BE49-F238E27FC236}">
-                <a16:creationId xmlns:a16="http://schemas.microsoft.com/office/drawing/2014/main" id="{C8FDAA45-6AB4-212D-92D8-4FCB03C7768B}"/>
-              </a:ext>
-            </a:extLst>
-          </p:cNvPr>
-          <p:cNvSpPr txBox="1"/>
-          <p:nvPr/>
-        </p:nvSpPr>
-        <p:spPr>
-          <a:xfrm>
-            <a:off x="5953272" y="3747623"/>
-            <a:ext cx="5906757" cy="369332"/>
-          </a:xfrm>
-          <a:prstGeom prst="rect">
-            <a:avLst/>
-          </a:prstGeom>
-          <a:noFill/>
-        </p:spPr>
-        <p:txBody>
-          <a:bodyPr wrap="square" rtlCol="0">
-            <a:spAutoFit/>
-          </a:bodyPr>
-          <a:lstStyle/>
-          <a:p>
-            <a:pPr algn="ctr"/>
-            <a:r>
-              <a:rPr lang="ja-JP" altLang="en-US" dirty="0">
-                <a:solidFill>
-                  <a:schemeClr val="accent3"/>
-                </a:solidFill>
-              </a:rPr>
-              <a:t>独立な</a:t>
-            </a:r>
-            <a:r>
-              <a:rPr lang="en-US" altLang="ja-JP" dirty="0">
-                <a:solidFill>
-                  <a:schemeClr val="accent3"/>
-                </a:solidFill>
-              </a:rPr>
-              <a:t>2</a:t>
-            </a:r>
-            <a:r>
-              <a:rPr lang="ja-JP" altLang="en-US" dirty="0">
-                <a:solidFill>
-                  <a:schemeClr val="accent3"/>
-                </a:solidFill>
-              </a:rPr>
-              <a:t>軸に基づく区分が、本会特有の視点になると考えられる</a:t>
-            </a:r>
-            <a:endParaRPr kumimoji="1" lang="ja-JP" altLang="en-US" dirty="0">
-              <a:solidFill>
-                <a:schemeClr val="accent3"/>
-              </a:solidFill>
-            </a:endParaRPr>
-          </a:p>
-        </p:txBody>
-      </p:sp>
-      <p:cxnSp>
-        <p:nvCxnSpPr>
-          <p:cNvPr id="33" name="直線コネクタ 32">
-            <a:extLst>
-              <a:ext uri="{FF2B5EF4-FFF2-40B4-BE49-F238E27FC236}">
-                <a16:creationId xmlns:a16="http://schemas.microsoft.com/office/drawing/2014/main" id="{71958132-DEB0-4C88-B80D-3FE099C3BC39}"/>
-              </a:ext>
-            </a:extLst>
-          </p:cNvPr>
-          <p:cNvCxnSpPr>
-            <a:cxnSpLocks/>
-            <a:endCxn id="31" idx="1"/>
-          </p:cNvCxnSpPr>
-          <p:nvPr/>
-        </p:nvCxnSpPr>
-        <p:spPr>
-          <a:xfrm flipV="1">
-            <a:off x="5609672" y="3932289"/>
-            <a:ext cx="343600" cy="184666"/>
-          </a:xfrm>
-          <a:prstGeom prst="line">
-            <a:avLst/>
-          </a:prstGeom>
-          <a:ln>
-            <a:solidFill>
-              <a:schemeClr val="accent3"/>
-            </a:solidFill>
-            <a:headEnd type="none" w="med" len="med"/>
-            <a:tailEnd type="none" w="med" len="med"/>
-          </a:ln>
-        </p:spPr>
-        <p:style>
-          <a:lnRef idx="1">
-            <a:schemeClr val="accent1"/>
-          </a:lnRef>
-          <a:fillRef idx="0">
-            <a:schemeClr val="accent1"/>
-          </a:fillRef>
-          <a:effectRef idx="0">
-            <a:schemeClr val="accent1"/>
-          </a:effectRef>
-          <a:fontRef idx="minor">
-            <a:schemeClr val="tx1"/>
-          </a:fontRef>
-        </p:style>
-      </p:cxnSp>
-      <p:sp>
-        <p:nvSpPr>
-          <p:cNvPr id="6" name="二等辺三角形 5">
-            <a:extLst>
-              <a:ext uri="{FF2B5EF4-FFF2-40B4-BE49-F238E27FC236}">
-                <a16:creationId xmlns:a16="http://schemas.microsoft.com/office/drawing/2014/main" id="{1F16803E-33BD-9595-BC36-74FE5D01A35A}"/>
-              </a:ext>
-            </a:extLst>
-          </p:cNvPr>
-          <p:cNvSpPr/>
-          <p:nvPr/>
-        </p:nvSpPr>
-        <p:spPr>
-          <a:xfrm rot="5400000">
-            <a:off x="5755695" y="4636951"/>
-            <a:ext cx="1049941" cy="369332"/>
-          </a:xfrm>
-          <a:prstGeom prst="triangle">
-            <a:avLst/>
-          </a:prstGeom>
-          <a:solidFill>
-            <a:schemeClr val="bg1">
-              <a:lumMod val="85000"/>
-            </a:schemeClr>
-          </a:solidFill>
-          <a:ln>
-            <a:noFill/>
-          </a:ln>
-        </p:spPr>
-        <p:style>
-          <a:lnRef idx="2">
-            <a:schemeClr val="accent1">
-              <a:shade val="50000"/>
-            </a:schemeClr>
-          </a:lnRef>
-          <a:fillRef idx="1">
-            <a:schemeClr val="accent1"/>
-          </a:fillRef>
-          <a:effectRef idx="0">
-            <a:schemeClr val="accent1"/>
-          </a:effectRef>
-          <a:fontRef idx="minor">
-            <a:schemeClr val="lt1"/>
-          </a:fontRef>
-        </p:style>
-        <p:txBody>
-          <a:bodyPr rtlCol="0" anchor="ctr"/>
-          <a:lstStyle/>
-          <a:p>
-            <a:pPr algn="ctr"/>
-            <a:endParaRPr kumimoji="1" lang="ja-JP" altLang="en-US">
-              <a:solidFill>
-                <a:schemeClr val="tx1"/>
-              </a:solidFill>
-            </a:endParaRPr>
-          </a:p>
-        </p:txBody>
-      </p:sp>
-    </p:spTree>
-    <p:extLst>
-      <p:ext uri="{BB962C8B-B14F-4D97-AF65-F5344CB8AC3E}">
-        <p14:creationId xmlns:p14="http://schemas.microsoft.com/office/powerpoint/2010/main" val="3243954789"/>
-      </p:ext>
-    </p:extLst>
-  </p:cSld>
-  <p:clrMapOvr>
-    <a:masterClrMapping/>
-  </p:clrMapOvr>
-</p:sld>
-</file>
-
 <file path=ppt/slides/slide23.xml><?xml version="1.0" encoding="utf-8"?>
 <p:sld xmlns:a="http://schemas.openxmlformats.org/drawingml/2006/main" xmlns:r="http://schemas.openxmlformats.org/officeDocument/2006/relationships" xmlns:p="http://schemas.openxmlformats.org/presentationml/2006/main">
   <p:cSld>
@@ -30754,39 +30265,7 @@
           <a:p>
             <a:r>
               <a:rPr lang="ja-JP" altLang="en-US" dirty="0"/>
-              <a:t>第</a:t>
-            </a:r>
-            <a:r>
-              <a:rPr lang="en-US" altLang="ja-JP" dirty="0"/>
-              <a:t>6</a:t>
-            </a:r>
-            <a:r>
-              <a:rPr lang="ja-JP" altLang="en-US" dirty="0"/>
-              <a:t>回</a:t>
-            </a:r>
-            <a:r>
-              <a:rPr lang="ja-JP" altLang="en-US" sz="2400" dirty="0"/>
-              <a:t>（</a:t>
-            </a:r>
-            <a:r>
-              <a:rPr lang="en-US" altLang="ja-JP" sz="2400" dirty="0"/>
-              <a:t>8</a:t>
-            </a:r>
-            <a:r>
-              <a:rPr lang="ja-JP" altLang="en-US" sz="2400" dirty="0"/>
-              <a:t>月</a:t>
-            </a:r>
-            <a:r>
-              <a:rPr lang="en-US" altLang="ja-JP" sz="2400" dirty="0"/>
-              <a:t>30</a:t>
-            </a:r>
-            <a:r>
-              <a:rPr lang="ja-JP" altLang="en-US" sz="2400" dirty="0"/>
-              <a:t>日）</a:t>
-            </a:r>
-            <a:r>
-              <a:rPr lang="ja-JP" altLang="en-US" dirty="0"/>
-              <a:t>に向けてのご相談</a:t>
+              <a:t>背景</a:t>
             </a:r>
             <a:endParaRPr lang="en-US" dirty="0"/>
           </a:p>
@@ -30817,6 +30296,1300 @@
               <a:rPr kumimoji="1" lang="ja-JP" altLang="en-US" smtClean="0"/>
               <a:pPr/>
               <a:t>23</a:t>
+            </a:fld>
+            <a:endParaRPr kumimoji="1" lang="ja-JP" altLang="en-US"/>
+          </a:p>
+        </p:txBody>
+      </p:sp>
+      <p:sp>
+        <p:nvSpPr>
+          <p:cNvPr id="2" name="テキスト ボックス 1">
+            <a:extLst>
+              <a:ext uri="{FF2B5EF4-FFF2-40B4-BE49-F238E27FC236}">
+                <a16:creationId xmlns:a16="http://schemas.microsoft.com/office/drawing/2014/main" id="{1990FC9A-C705-D4E7-368C-A78C9B9F302B}"/>
+              </a:ext>
+            </a:extLst>
+          </p:cNvPr>
+          <p:cNvSpPr txBox="1"/>
+          <p:nvPr/>
+        </p:nvSpPr>
+        <p:spPr>
+          <a:xfrm>
+            <a:off x="7518643" y="17942"/>
+            <a:ext cx="4579513" cy="369332"/>
+          </a:xfrm>
+          <a:prstGeom prst="rect">
+            <a:avLst/>
+          </a:prstGeom>
+          <a:noFill/>
+        </p:spPr>
+        <p:txBody>
+          <a:bodyPr wrap="square" rtlCol="0">
+            <a:spAutoFit/>
+          </a:bodyPr>
+          <a:lstStyle/>
+          <a:p>
+            <a:r>
+              <a:rPr lang="en-US" altLang="ja-JP" dirty="0">
+                <a:solidFill>
+                  <a:schemeClr val="bg1"/>
+                </a:solidFill>
+              </a:rPr>
+              <a:t>*CPHS: Cyber-Physical Human Systems</a:t>
+            </a:r>
+            <a:endParaRPr kumimoji="1" lang="ja-JP" altLang="en-US" dirty="0">
+              <a:solidFill>
+                <a:schemeClr val="bg1"/>
+              </a:solidFill>
+            </a:endParaRPr>
+          </a:p>
+        </p:txBody>
+      </p:sp>
+      <p:sp>
+        <p:nvSpPr>
+          <p:cNvPr id="4" name="テキスト ボックス 3">
+            <a:extLst>
+              <a:ext uri="{FF2B5EF4-FFF2-40B4-BE49-F238E27FC236}">
+                <a16:creationId xmlns:a16="http://schemas.microsoft.com/office/drawing/2014/main" id="{FAD53A6A-F45E-5FA0-D5F3-223D60A3E659}"/>
+              </a:ext>
+            </a:extLst>
+          </p:cNvPr>
+          <p:cNvSpPr txBox="1"/>
+          <p:nvPr/>
+        </p:nvSpPr>
+        <p:spPr>
+          <a:xfrm>
+            <a:off x="7518642" y="331412"/>
+            <a:ext cx="4579513" cy="369332"/>
+          </a:xfrm>
+          <a:prstGeom prst="rect">
+            <a:avLst/>
+          </a:prstGeom>
+          <a:noFill/>
+        </p:spPr>
+        <p:txBody>
+          <a:bodyPr wrap="square" rtlCol="0">
+            <a:spAutoFit/>
+          </a:bodyPr>
+          <a:lstStyle/>
+          <a:p>
+            <a:r>
+              <a:rPr lang="en-US" altLang="ja-JP" dirty="0">
+                <a:solidFill>
+                  <a:schemeClr val="bg1"/>
+                </a:solidFill>
+              </a:rPr>
+              <a:t>*SoS: System of Systems</a:t>
+            </a:r>
+            <a:endParaRPr kumimoji="1" lang="ja-JP" altLang="en-US" dirty="0">
+              <a:solidFill>
+                <a:schemeClr val="bg1"/>
+              </a:solidFill>
+            </a:endParaRPr>
+          </a:p>
+        </p:txBody>
+      </p:sp>
+      <p:sp>
+        <p:nvSpPr>
+          <p:cNvPr id="8" name="テキスト ボックス 7">
+            <a:extLst>
+              <a:ext uri="{FF2B5EF4-FFF2-40B4-BE49-F238E27FC236}">
+                <a16:creationId xmlns:a16="http://schemas.microsoft.com/office/drawing/2014/main" id="{215FDFB4-967A-06E6-B204-27B3EF559BF5}"/>
+              </a:ext>
+            </a:extLst>
+          </p:cNvPr>
+          <p:cNvSpPr txBox="1"/>
+          <p:nvPr/>
+        </p:nvSpPr>
+        <p:spPr>
+          <a:xfrm>
+            <a:off x="428297" y="1510784"/>
+            <a:ext cx="5426545" cy="923330"/>
+          </a:xfrm>
+          <a:prstGeom prst="rect">
+            <a:avLst/>
+          </a:prstGeom>
+          <a:noFill/>
+        </p:spPr>
+        <p:txBody>
+          <a:bodyPr wrap="square" rtlCol="0">
+            <a:spAutoFit/>
+          </a:bodyPr>
+          <a:lstStyle/>
+          <a:p>
+            <a:pPr marL="285750" indent="-285750">
+              <a:buFont typeface="Wingdings" panose="05000000000000000000" pitchFamily="2" charset="2"/>
+              <a:buChar char="Ø"/>
+            </a:pPr>
+            <a:r>
+              <a:rPr lang="ja-JP" altLang="en-US" dirty="0"/>
+              <a:t>目的：</a:t>
+            </a:r>
+            <a:r>
+              <a:rPr lang="en-US" altLang="ja-JP" dirty="0"/>
+              <a:t>CPHS</a:t>
+            </a:r>
+            <a:r>
+              <a:rPr lang="ja-JP" altLang="en-US" dirty="0"/>
+              <a:t>の観点から</a:t>
+            </a:r>
+            <a:r>
+              <a:rPr lang="en-US" altLang="ja-JP" dirty="0"/>
+              <a:t>SoS</a:t>
+            </a:r>
+            <a:r>
+              <a:rPr lang="ja-JP" altLang="en-US" dirty="0"/>
+              <a:t>を議論し、課題の提示、あるいは課題解決を図るための方策を提言すること</a:t>
+            </a:r>
+            <a:endParaRPr lang="en-US" altLang="ja-JP" dirty="0"/>
+          </a:p>
+          <a:p>
+            <a:pPr marL="285750" indent="-285750">
+              <a:buFont typeface="Wingdings" panose="05000000000000000000" pitchFamily="2" charset="2"/>
+              <a:buChar char="Ø"/>
+            </a:pPr>
+            <a:r>
+              <a:rPr kumimoji="1" lang="ja-JP" altLang="en-US" dirty="0"/>
+              <a:t>主な対象：人間系を含む</a:t>
+            </a:r>
+            <a:r>
+              <a:rPr kumimoji="1" lang="en-US" altLang="ja-JP" dirty="0"/>
+              <a:t>SoS</a:t>
+            </a:r>
+            <a:endParaRPr kumimoji="1" lang="ja-JP" altLang="en-US" dirty="0"/>
+          </a:p>
+        </p:txBody>
+      </p:sp>
+      <p:sp>
+        <p:nvSpPr>
+          <p:cNvPr id="11" name="テキスト ボックス 10">
+            <a:extLst>
+              <a:ext uri="{FF2B5EF4-FFF2-40B4-BE49-F238E27FC236}">
+                <a16:creationId xmlns:a16="http://schemas.microsoft.com/office/drawing/2014/main" id="{774203E9-5600-40D6-2AE8-BAFC8086EA20}"/>
+              </a:ext>
+            </a:extLst>
+          </p:cNvPr>
+          <p:cNvSpPr txBox="1"/>
+          <p:nvPr/>
+        </p:nvSpPr>
+        <p:spPr>
+          <a:xfrm>
+            <a:off x="6226318" y="1508228"/>
+            <a:ext cx="5577204" cy="646331"/>
+          </a:xfrm>
+          <a:prstGeom prst="rect">
+            <a:avLst/>
+          </a:prstGeom>
+          <a:noFill/>
+        </p:spPr>
+        <p:txBody>
+          <a:bodyPr wrap="square" rtlCol="0">
+            <a:spAutoFit/>
+          </a:bodyPr>
+          <a:lstStyle/>
+          <a:p>
+            <a:pPr marL="285750" indent="-285750">
+              <a:buFont typeface="Wingdings" panose="05000000000000000000" pitchFamily="2" charset="2"/>
+              <a:buChar char="Ø"/>
+            </a:pPr>
+            <a:r>
+              <a:rPr lang="ja-JP" altLang="en-US" dirty="0"/>
+              <a:t>各メンバーの背景が異なることもあり、</a:t>
+            </a:r>
+            <a:r>
+              <a:rPr lang="en-US" altLang="ja-JP" dirty="0"/>
+              <a:t>SoS</a:t>
+            </a:r>
+            <a:r>
+              <a:rPr lang="ja-JP" altLang="en-US" dirty="0"/>
+              <a:t>に対する認識に多少の差異を感じた</a:t>
+            </a:r>
+            <a:endParaRPr kumimoji="1" lang="ja-JP" altLang="en-US" dirty="0"/>
+          </a:p>
+        </p:txBody>
+      </p:sp>
+      <p:sp>
+        <p:nvSpPr>
+          <p:cNvPr id="12" name="テキスト ボックス 11">
+            <a:extLst>
+              <a:ext uri="{FF2B5EF4-FFF2-40B4-BE49-F238E27FC236}">
+                <a16:creationId xmlns:a16="http://schemas.microsoft.com/office/drawing/2014/main" id="{93D53C05-2631-6F2F-4635-3784B8BABD7D}"/>
+              </a:ext>
+            </a:extLst>
+          </p:cNvPr>
+          <p:cNvSpPr txBox="1"/>
+          <p:nvPr/>
+        </p:nvSpPr>
+        <p:spPr>
+          <a:xfrm>
+            <a:off x="425057" y="2511385"/>
+            <a:ext cx="11341886" cy="400110"/>
+          </a:xfrm>
+          <a:prstGeom prst="rect">
+            <a:avLst/>
+          </a:prstGeom>
+          <a:noFill/>
+        </p:spPr>
+        <p:txBody>
+          <a:bodyPr wrap="square" rtlCol="0">
+            <a:spAutoFit/>
+          </a:bodyPr>
+          <a:lstStyle/>
+          <a:p>
+            <a:pPr algn="ctr"/>
+            <a:r>
+              <a:rPr lang="en-US" altLang="ja-JP" sz="2000" b="1" dirty="0">
+                <a:solidFill>
+                  <a:schemeClr val="accent1"/>
+                </a:solidFill>
+              </a:rPr>
+              <a:t>SoS</a:t>
+            </a:r>
+            <a:r>
+              <a:rPr lang="ja-JP" altLang="en-US" sz="2000" b="1" dirty="0">
+                <a:solidFill>
+                  <a:schemeClr val="accent1"/>
+                </a:solidFill>
+              </a:rPr>
+              <a:t>や</a:t>
+            </a:r>
+            <a:r>
+              <a:rPr lang="en-US" altLang="ja-JP" sz="2000" b="1" dirty="0">
+                <a:solidFill>
+                  <a:schemeClr val="accent1"/>
+                </a:solidFill>
+              </a:rPr>
+              <a:t>CPHS</a:t>
+            </a:r>
+            <a:r>
+              <a:rPr lang="ja-JP" altLang="en-US" sz="2000" b="1" dirty="0">
+                <a:solidFill>
+                  <a:schemeClr val="accent1"/>
+                </a:solidFill>
+              </a:rPr>
+              <a:t>の共通の認識や軸をいくつか置くと、調査済の事例や個々の意見をよりまとめやすくなると考えた。</a:t>
+            </a:r>
+            <a:endParaRPr kumimoji="1" lang="ja-JP" altLang="en-US" sz="2000" b="1" dirty="0">
+              <a:solidFill>
+                <a:schemeClr val="accent1"/>
+              </a:solidFill>
+            </a:endParaRPr>
+          </a:p>
+        </p:txBody>
+      </p:sp>
+      <p:cxnSp>
+        <p:nvCxnSpPr>
+          <p:cNvPr id="16" name="直線コネクタ 15">
+            <a:extLst>
+              <a:ext uri="{FF2B5EF4-FFF2-40B4-BE49-F238E27FC236}">
+                <a16:creationId xmlns:a16="http://schemas.microsoft.com/office/drawing/2014/main" id="{E529B479-E453-456B-CA84-156B978033AA}"/>
+              </a:ext>
+            </a:extLst>
+          </p:cNvPr>
+          <p:cNvCxnSpPr>
+            <a:cxnSpLocks/>
+          </p:cNvCxnSpPr>
+          <p:nvPr/>
+        </p:nvCxnSpPr>
+        <p:spPr>
+          <a:xfrm>
+            <a:off x="490762" y="1319212"/>
+            <a:ext cx="5301615" cy="0"/>
+          </a:xfrm>
+          <a:prstGeom prst="line">
+            <a:avLst/>
+          </a:prstGeom>
+          <a:ln w="28575">
+            <a:solidFill>
+              <a:schemeClr val="bg1">
+                <a:lumMod val="65000"/>
+              </a:schemeClr>
+            </a:solidFill>
+            <a:headEnd type="none" w="med" len="med"/>
+            <a:tailEnd type="none" w="med" len="med"/>
+          </a:ln>
+        </p:spPr>
+        <p:style>
+          <a:lnRef idx="1">
+            <a:schemeClr val="accent1"/>
+          </a:lnRef>
+          <a:fillRef idx="0">
+            <a:schemeClr val="accent1"/>
+          </a:fillRef>
+          <a:effectRef idx="0">
+            <a:schemeClr val="accent1"/>
+          </a:effectRef>
+          <a:fontRef idx="minor">
+            <a:schemeClr val="tx1"/>
+          </a:fontRef>
+        </p:style>
+      </p:cxnSp>
+      <p:cxnSp>
+        <p:nvCxnSpPr>
+          <p:cNvPr id="17" name="直線コネクタ 16">
+            <a:extLst>
+              <a:ext uri="{FF2B5EF4-FFF2-40B4-BE49-F238E27FC236}">
+                <a16:creationId xmlns:a16="http://schemas.microsoft.com/office/drawing/2014/main" id="{F4163DC0-EAC1-9703-38C6-F3B991A915EF}"/>
+              </a:ext>
+            </a:extLst>
+          </p:cNvPr>
+          <p:cNvCxnSpPr>
+            <a:cxnSpLocks/>
+          </p:cNvCxnSpPr>
+          <p:nvPr/>
+        </p:nvCxnSpPr>
+        <p:spPr>
+          <a:xfrm>
+            <a:off x="6364113" y="1319212"/>
+            <a:ext cx="5301615" cy="0"/>
+          </a:xfrm>
+          <a:prstGeom prst="line">
+            <a:avLst/>
+          </a:prstGeom>
+          <a:ln w="28575">
+            <a:solidFill>
+              <a:schemeClr val="bg1">
+                <a:lumMod val="65000"/>
+              </a:schemeClr>
+            </a:solidFill>
+            <a:headEnd type="none" w="med" len="med"/>
+            <a:tailEnd type="none" w="med" len="med"/>
+          </a:ln>
+        </p:spPr>
+        <p:style>
+          <a:lnRef idx="1">
+            <a:schemeClr val="accent1"/>
+          </a:lnRef>
+          <a:fillRef idx="0">
+            <a:schemeClr val="accent1"/>
+          </a:fillRef>
+          <a:effectRef idx="0">
+            <a:schemeClr val="accent1"/>
+          </a:effectRef>
+          <a:fontRef idx="minor">
+            <a:schemeClr val="tx1"/>
+          </a:fontRef>
+        </p:style>
+      </p:cxnSp>
+      <p:sp>
+        <p:nvSpPr>
+          <p:cNvPr id="18" name="テキスト ボックス 17">
+            <a:extLst>
+              <a:ext uri="{FF2B5EF4-FFF2-40B4-BE49-F238E27FC236}">
+                <a16:creationId xmlns:a16="http://schemas.microsoft.com/office/drawing/2014/main" id="{1394E660-0707-3ACA-7687-133682240EE7}"/>
+              </a:ext>
+            </a:extLst>
+          </p:cNvPr>
+          <p:cNvSpPr txBox="1"/>
+          <p:nvPr/>
+        </p:nvSpPr>
+        <p:spPr>
+          <a:xfrm>
+            <a:off x="851813" y="923694"/>
+            <a:ext cx="4579513" cy="369332"/>
+          </a:xfrm>
+          <a:prstGeom prst="rect">
+            <a:avLst/>
+          </a:prstGeom>
+          <a:noFill/>
+        </p:spPr>
+        <p:txBody>
+          <a:bodyPr wrap="square" rtlCol="0">
+            <a:spAutoFit/>
+          </a:bodyPr>
+          <a:lstStyle/>
+          <a:p>
+            <a:pPr algn="ctr"/>
+            <a:r>
+              <a:rPr lang="en-US" altLang="ja-JP" b="1" dirty="0"/>
+              <a:t>SoS</a:t>
+            </a:r>
+            <a:r>
+              <a:rPr lang="ja-JP" altLang="en-US" b="1" dirty="0"/>
+              <a:t>分科会の目的と対象</a:t>
+            </a:r>
+            <a:endParaRPr kumimoji="1" lang="ja-JP" altLang="en-US" b="1" dirty="0"/>
+          </a:p>
+        </p:txBody>
+      </p:sp>
+      <p:sp>
+        <p:nvSpPr>
+          <p:cNvPr id="19" name="テキスト ボックス 18">
+            <a:extLst>
+              <a:ext uri="{FF2B5EF4-FFF2-40B4-BE49-F238E27FC236}">
+                <a16:creationId xmlns:a16="http://schemas.microsoft.com/office/drawing/2014/main" id="{A59C469F-4A48-49A5-DE99-F5D15E4B2CE4}"/>
+              </a:ext>
+            </a:extLst>
+          </p:cNvPr>
+          <p:cNvSpPr txBox="1"/>
+          <p:nvPr/>
+        </p:nvSpPr>
+        <p:spPr>
+          <a:xfrm>
+            <a:off x="6725164" y="923694"/>
+            <a:ext cx="4579513" cy="369332"/>
+          </a:xfrm>
+          <a:prstGeom prst="rect">
+            <a:avLst/>
+          </a:prstGeom>
+          <a:noFill/>
+        </p:spPr>
+        <p:txBody>
+          <a:bodyPr wrap="square" rtlCol="0">
+            <a:spAutoFit/>
+          </a:bodyPr>
+          <a:lstStyle/>
+          <a:p>
+            <a:pPr algn="ctr"/>
+            <a:r>
+              <a:rPr kumimoji="1" lang="ja-JP" altLang="en-US" b="1" dirty="0"/>
+              <a:t>第</a:t>
+            </a:r>
+            <a:r>
+              <a:rPr kumimoji="1" lang="en-US" altLang="ja-JP" b="1" dirty="0"/>
+              <a:t>5</a:t>
+            </a:r>
+            <a:r>
+              <a:rPr kumimoji="1" lang="ja-JP" altLang="en-US" b="1" dirty="0"/>
+              <a:t>回（</a:t>
+            </a:r>
+            <a:r>
+              <a:rPr kumimoji="1" lang="en-US" altLang="ja-JP" b="1" dirty="0"/>
+              <a:t>7</a:t>
+            </a:r>
+            <a:r>
+              <a:rPr kumimoji="1" lang="ja-JP" altLang="en-US" b="1" dirty="0"/>
+              <a:t>月</a:t>
+            </a:r>
+            <a:r>
+              <a:rPr kumimoji="1" lang="en-US" altLang="ja-JP" b="1" dirty="0"/>
+              <a:t>20</a:t>
+            </a:r>
+            <a:r>
+              <a:rPr kumimoji="1" lang="ja-JP" altLang="en-US" b="1" dirty="0"/>
+              <a:t>日）の感想</a:t>
+            </a:r>
+          </a:p>
+        </p:txBody>
+      </p:sp>
+      <p:sp>
+        <p:nvSpPr>
+          <p:cNvPr id="20" name="テキスト ボックス 19">
+            <a:extLst>
+              <a:ext uri="{FF2B5EF4-FFF2-40B4-BE49-F238E27FC236}">
+                <a16:creationId xmlns:a16="http://schemas.microsoft.com/office/drawing/2014/main" id="{6B221BD3-2826-D93C-4303-96FBF2EC6933}"/>
+              </a:ext>
+            </a:extLst>
+          </p:cNvPr>
+          <p:cNvSpPr txBox="1"/>
+          <p:nvPr/>
+        </p:nvSpPr>
+        <p:spPr>
+          <a:xfrm>
+            <a:off x="545069" y="3086858"/>
+            <a:ext cx="738818" cy="369332"/>
+          </a:xfrm>
+          <a:prstGeom prst="rect">
+            <a:avLst/>
+          </a:prstGeom>
+          <a:noFill/>
+        </p:spPr>
+        <p:txBody>
+          <a:bodyPr wrap="square" rtlCol="0">
+            <a:spAutoFit/>
+          </a:bodyPr>
+          <a:lstStyle/>
+          <a:p>
+            <a:pPr algn="ctr"/>
+            <a:r>
+              <a:rPr lang="ja-JP" altLang="en-US" dirty="0"/>
+              <a:t>例）</a:t>
+            </a:r>
+            <a:endParaRPr kumimoji="1" lang="ja-JP" altLang="en-US" dirty="0"/>
+          </a:p>
+        </p:txBody>
+      </p:sp>
+      <p:sp>
+        <p:nvSpPr>
+          <p:cNvPr id="21" name="四角形: 角を丸くする 20">
+            <a:extLst>
+              <a:ext uri="{FF2B5EF4-FFF2-40B4-BE49-F238E27FC236}">
+                <a16:creationId xmlns:a16="http://schemas.microsoft.com/office/drawing/2014/main" id="{8D0261CA-E05B-2C79-3FDA-F7635947CB18}"/>
+              </a:ext>
+            </a:extLst>
+          </p:cNvPr>
+          <p:cNvSpPr/>
+          <p:nvPr/>
+        </p:nvSpPr>
+        <p:spPr>
+          <a:xfrm>
+            <a:off x="1811173" y="3938876"/>
+            <a:ext cx="1727885" cy="1050422"/>
+          </a:xfrm>
+          <a:prstGeom prst="roundRect">
+            <a:avLst/>
+          </a:prstGeom>
+          <a:solidFill>
+            <a:schemeClr val="bg1"/>
+          </a:solidFill>
+          <a:ln w="19050">
+            <a:solidFill>
+              <a:schemeClr val="accent3"/>
+            </a:solidFill>
+            <a:prstDash val="dash"/>
+          </a:ln>
+        </p:spPr>
+        <p:style>
+          <a:lnRef idx="2">
+            <a:schemeClr val="accent1">
+              <a:shade val="50000"/>
+            </a:schemeClr>
+          </a:lnRef>
+          <a:fillRef idx="1">
+            <a:schemeClr val="accent1"/>
+          </a:fillRef>
+          <a:effectRef idx="0">
+            <a:schemeClr val="accent1"/>
+          </a:effectRef>
+          <a:fontRef idx="minor">
+            <a:schemeClr val="lt1"/>
+          </a:fontRef>
+        </p:style>
+        <p:txBody>
+          <a:bodyPr rtlCol="0" anchor="ctr"/>
+          <a:lstStyle/>
+          <a:p>
+            <a:pPr algn="ctr"/>
+            <a:endParaRPr kumimoji="1" lang="ja-JP" altLang="en-US">
+              <a:solidFill>
+                <a:schemeClr val="tx1"/>
+              </a:solidFill>
+            </a:endParaRPr>
+          </a:p>
+        </p:txBody>
+      </p:sp>
+      <p:sp>
+        <p:nvSpPr>
+          <p:cNvPr id="22" name="四角形: 角を丸くする 21">
+            <a:extLst>
+              <a:ext uri="{FF2B5EF4-FFF2-40B4-BE49-F238E27FC236}">
+                <a16:creationId xmlns:a16="http://schemas.microsoft.com/office/drawing/2014/main" id="{2FE70714-D976-A1A2-9BAC-5FB247EB3D3D}"/>
+              </a:ext>
+            </a:extLst>
+          </p:cNvPr>
+          <p:cNvSpPr/>
+          <p:nvPr/>
+        </p:nvSpPr>
+        <p:spPr>
+          <a:xfrm>
+            <a:off x="1811173" y="5092086"/>
+            <a:ext cx="1727886" cy="1050422"/>
+          </a:xfrm>
+          <a:prstGeom prst="roundRect">
+            <a:avLst/>
+          </a:prstGeom>
+          <a:solidFill>
+            <a:schemeClr val="bg1"/>
+          </a:solidFill>
+          <a:ln w="19050">
+            <a:solidFill>
+              <a:schemeClr val="accent3"/>
+            </a:solidFill>
+            <a:prstDash val="dash"/>
+          </a:ln>
+        </p:spPr>
+        <p:style>
+          <a:lnRef idx="2">
+            <a:schemeClr val="accent1">
+              <a:shade val="50000"/>
+            </a:schemeClr>
+          </a:lnRef>
+          <a:fillRef idx="1">
+            <a:schemeClr val="accent1"/>
+          </a:fillRef>
+          <a:effectRef idx="0">
+            <a:schemeClr val="accent1"/>
+          </a:effectRef>
+          <a:fontRef idx="minor">
+            <a:schemeClr val="lt1"/>
+          </a:fontRef>
+        </p:style>
+        <p:txBody>
+          <a:bodyPr rtlCol="0" anchor="ctr"/>
+          <a:lstStyle/>
+          <a:p>
+            <a:pPr algn="ctr"/>
+            <a:endParaRPr kumimoji="1" lang="ja-JP" altLang="en-US">
+              <a:solidFill>
+                <a:schemeClr val="tx1"/>
+              </a:solidFill>
+            </a:endParaRPr>
+          </a:p>
+        </p:txBody>
+      </p:sp>
+      <p:sp>
+        <p:nvSpPr>
+          <p:cNvPr id="24" name="テキスト ボックス 23">
+            <a:extLst>
+              <a:ext uri="{FF2B5EF4-FFF2-40B4-BE49-F238E27FC236}">
+                <a16:creationId xmlns:a16="http://schemas.microsoft.com/office/drawing/2014/main" id="{5C7D46B9-D0B2-2598-3BE1-2FA0C4C67DF2}"/>
+              </a:ext>
+            </a:extLst>
+          </p:cNvPr>
+          <p:cNvSpPr txBox="1"/>
+          <p:nvPr/>
+        </p:nvSpPr>
+        <p:spPr>
+          <a:xfrm>
+            <a:off x="6898112" y="4467674"/>
+            <a:ext cx="4461985" cy="707886"/>
+          </a:xfrm>
+          <a:prstGeom prst="rect">
+            <a:avLst/>
+          </a:prstGeom>
+          <a:noFill/>
+        </p:spPr>
+        <p:txBody>
+          <a:bodyPr wrap="square" rtlCol="0">
+            <a:spAutoFit/>
+          </a:bodyPr>
+          <a:lstStyle/>
+          <a:p>
+            <a:r>
+              <a:rPr kumimoji="1" lang="ja-JP" altLang="en-US" sz="2000" b="1" dirty="0"/>
+              <a:t>各区分特有の、</a:t>
+            </a:r>
+            <a:r>
+              <a:rPr kumimoji="1" lang="en-US" altLang="ja-JP" sz="2000" b="1" dirty="0"/>
+              <a:t>SoS</a:t>
+            </a:r>
+            <a:r>
+              <a:rPr kumimoji="1" lang="ja-JP" altLang="en-US" sz="2000" b="1" dirty="0"/>
+              <a:t>構築・運用の課題あるいは適切なアプローチをまとめる</a:t>
+            </a:r>
+            <a:r>
+              <a:rPr kumimoji="1" lang="ja-JP" altLang="en-US" sz="2000" dirty="0"/>
+              <a:t>など</a:t>
+            </a:r>
+          </a:p>
+        </p:txBody>
+      </p:sp>
+      <p:sp>
+        <p:nvSpPr>
+          <p:cNvPr id="25" name="テキスト ボックス 24">
+            <a:extLst>
+              <a:ext uri="{FF2B5EF4-FFF2-40B4-BE49-F238E27FC236}">
+                <a16:creationId xmlns:a16="http://schemas.microsoft.com/office/drawing/2014/main" id="{48682813-429A-4BD6-6121-C0544768BD19}"/>
+              </a:ext>
+            </a:extLst>
+          </p:cNvPr>
+          <p:cNvSpPr txBox="1"/>
+          <p:nvPr/>
+        </p:nvSpPr>
+        <p:spPr>
+          <a:xfrm>
+            <a:off x="545069" y="3938876"/>
+            <a:ext cx="640344" cy="369332"/>
+          </a:xfrm>
+          <a:prstGeom prst="rect">
+            <a:avLst/>
+          </a:prstGeom>
+          <a:noFill/>
+        </p:spPr>
+        <p:txBody>
+          <a:bodyPr wrap="square" rtlCol="0">
+            <a:spAutoFit/>
+          </a:bodyPr>
+          <a:lstStyle/>
+          <a:p>
+            <a:pPr algn="ctr"/>
+            <a:r>
+              <a:rPr lang="ja-JP" altLang="en-US" dirty="0">
+                <a:solidFill>
+                  <a:schemeClr val="accent1"/>
+                </a:solidFill>
+              </a:rPr>
+              <a:t>縦軸</a:t>
+            </a:r>
+            <a:endParaRPr kumimoji="1" lang="ja-JP" altLang="en-US" dirty="0">
+              <a:solidFill>
+                <a:schemeClr val="accent1"/>
+              </a:solidFill>
+            </a:endParaRPr>
+          </a:p>
+        </p:txBody>
+      </p:sp>
+      <p:sp>
+        <p:nvSpPr>
+          <p:cNvPr id="26" name="テキスト ボックス 25">
+            <a:extLst>
+              <a:ext uri="{FF2B5EF4-FFF2-40B4-BE49-F238E27FC236}">
+                <a16:creationId xmlns:a16="http://schemas.microsoft.com/office/drawing/2014/main" id="{53614106-0C0B-6787-2847-8AEDD2C8E288}"/>
+              </a:ext>
+            </a:extLst>
+          </p:cNvPr>
+          <p:cNvSpPr txBox="1"/>
+          <p:nvPr/>
+        </p:nvSpPr>
+        <p:spPr>
+          <a:xfrm>
+            <a:off x="1756940" y="3086858"/>
+            <a:ext cx="640344" cy="369332"/>
+          </a:xfrm>
+          <a:prstGeom prst="rect">
+            <a:avLst/>
+          </a:prstGeom>
+          <a:noFill/>
+        </p:spPr>
+        <p:txBody>
+          <a:bodyPr wrap="square" rtlCol="0">
+            <a:spAutoFit/>
+          </a:bodyPr>
+          <a:lstStyle/>
+          <a:p>
+            <a:pPr algn="ctr"/>
+            <a:r>
+              <a:rPr lang="ja-JP" altLang="en-US" dirty="0">
+                <a:solidFill>
+                  <a:schemeClr val="accent4"/>
+                </a:solidFill>
+              </a:rPr>
+              <a:t>横軸</a:t>
+            </a:r>
+            <a:endParaRPr kumimoji="1" lang="ja-JP" altLang="en-US" dirty="0">
+              <a:solidFill>
+                <a:schemeClr val="accent4"/>
+              </a:solidFill>
+            </a:endParaRPr>
+          </a:p>
+        </p:txBody>
+      </p:sp>
+      <p:sp>
+        <p:nvSpPr>
+          <p:cNvPr id="27" name="正方形/長方形 26">
+            <a:extLst>
+              <a:ext uri="{FF2B5EF4-FFF2-40B4-BE49-F238E27FC236}">
+                <a16:creationId xmlns:a16="http://schemas.microsoft.com/office/drawing/2014/main" id="{21F5AE04-5F4A-28B0-3D7A-863E656EFDCD}"/>
+              </a:ext>
+            </a:extLst>
+          </p:cNvPr>
+          <p:cNvSpPr/>
+          <p:nvPr/>
+        </p:nvSpPr>
+        <p:spPr>
+          <a:xfrm>
+            <a:off x="1272919" y="3938876"/>
+            <a:ext cx="366975" cy="2203632"/>
+          </a:xfrm>
+          <a:prstGeom prst="rect">
+            <a:avLst/>
+          </a:prstGeom>
+          <a:solidFill>
+            <a:schemeClr val="accent1"/>
+          </a:solidFill>
+        </p:spPr>
+        <p:style>
+          <a:lnRef idx="2">
+            <a:schemeClr val="accent1">
+              <a:shade val="50000"/>
+            </a:schemeClr>
+          </a:lnRef>
+          <a:fillRef idx="1">
+            <a:schemeClr val="accent1"/>
+          </a:fillRef>
+          <a:effectRef idx="0">
+            <a:schemeClr val="accent1"/>
+          </a:effectRef>
+          <a:fontRef idx="minor">
+            <a:schemeClr val="lt1"/>
+          </a:fontRef>
+        </p:style>
+        <p:txBody>
+          <a:bodyPr vert="vert270" rtlCol="0" anchor="ctr"/>
+          <a:lstStyle/>
+          <a:p>
+            <a:pPr algn="ctr"/>
+            <a:r>
+              <a:rPr kumimoji="1" lang="en-US" altLang="ja-JP" dirty="0">
+                <a:solidFill>
+                  <a:schemeClr val="bg1"/>
+                </a:solidFill>
+              </a:rPr>
+              <a:t>SoS</a:t>
+            </a:r>
+            <a:r>
+              <a:rPr kumimoji="1" lang="ja-JP" altLang="en-US" dirty="0">
+                <a:solidFill>
+                  <a:schemeClr val="bg1"/>
+                </a:solidFill>
+              </a:rPr>
+              <a:t>の分類を表す軸</a:t>
+            </a:r>
+          </a:p>
+        </p:txBody>
+      </p:sp>
+      <p:sp>
+        <p:nvSpPr>
+          <p:cNvPr id="28" name="正方形/長方形 27">
+            <a:extLst>
+              <a:ext uri="{FF2B5EF4-FFF2-40B4-BE49-F238E27FC236}">
+                <a16:creationId xmlns:a16="http://schemas.microsoft.com/office/drawing/2014/main" id="{D50CC503-A801-DF6C-DE70-12ABDCBD35DA}"/>
+              </a:ext>
+            </a:extLst>
+          </p:cNvPr>
+          <p:cNvSpPr/>
+          <p:nvPr/>
+        </p:nvSpPr>
+        <p:spPr>
+          <a:xfrm rot="5400000">
+            <a:off x="3481085" y="1768616"/>
+            <a:ext cx="395250" cy="3735071"/>
+          </a:xfrm>
+          <a:prstGeom prst="rect">
+            <a:avLst/>
+          </a:prstGeom>
+          <a:solidFill>
+            <a:schemeClr val="accent4"/>
+          </a:solidFill>
+          <a:ln>
+            <a:solidFill>
+              <a:schemeClr val="accent4">
+                <a:lumMod val="75000"/>
+              </a:schemeClr>
+            </a:solidFill>
+          </a:ln>
+        </p:spPr>
+        <p:style>
+          <a:lnRef idx="2">
+            <a:schemeClr val="accent1">
+              <a:shade val="50000"/>
+            </a:schemeClr>
+          </a:lnRef>
+          <a:fillRef idx="1">
+            <a:schemeClr val="accent1"/>
+          </a:fillRef>
+          <a:effectRef idx="0">
+            <a:schemeClr val="accent1"/>
+          </a:effectRef>
+          <a:fontRef idx="minor">
+            <a:schemeClr val="lt1"/>
+          </a:fontRef>
+        </p:style>
+        <p:txBody>
+          <a:bodyPr vert="vert270" rtlCol="0" anchor="ctr"/>
+          <a:lstStyle/>
+          <a:p>
+            <a:pPr algn="ctr"/>
+            <a:r>
+              <a:rPr kumimoji="1" lang="ja-JP" altLang="en-US" dirty="0">
+                <a:solidFill>
+                  <a:schemeClr val="bg1"/>
+                </a:solidFill>
+              </a:rPr>
+              <a:t>人とシステムの関係を表す軸</a:t>
+            </a:r>
+          </a:p>
+        </p:txBody>
+      </p:sp>
+      <p:sp>
+        <p:nvSpPr>
+          <p:cNvPr id="29" name="四角形: 角を丸くする 28">
+            <a:extLst>
+              <a:ext uri="{FF2B5EF4-FFF2-40B4-BE49-F238E27FC236}">
+                <a16:creationId xmlns:a16="http://schemas.microsoft.com/office/drawing/2014/main" id="{B2D627F3-4AF1-0B9F-CCB9-C43883790760}"/>
+              </a:ext>
+            </a:extLst>
+          </p:cNvPr>
+          <p:cNvSpPr/>
+          <p:nvPr/>
+        </p:nvSpPr>
+        <p:spPr>
+          <a:xfrm>
+            <a:off x="3818361" y="3938876"/>
+            <a:ext cx="1727885" cy="1050422"/>
+          </a:xfrm>
+          <a:prstGeom prst="roundRect">
+            <a:avLst/>
+          </a:prstGeom>
+          <a:solidFill>
+            <a:schemeClr val="bg1"/>
+          </a:solidFill>
+          <a:ln w="19050">
+            <a:solidFill>
+              <a:schemeClr val="accent3"/>
+            </a:solidFill>
+            <a:prstDash val="dash"/>
+          </a:ln>
+        </p:spPr>
+        <p:style>
+          <a:lnRef idx="2">
+            <a:schemeClr val="accent1">
+              <a:shade val="50000"/>
+            </a:schemeClr>
+          </a:lnRef>
+          <a:fillRef idx="1">
+            <a:schemeClr val="accent1"/>
+          </a:fillRef>
+          <a:effectRef idx="0">
+            <a:schemeClr val="accent1"/>
+          </a:effectRef>
+          <a:fontRef idx="minor">
+            <a:schemeClr val="lt1"/>
+          </a:fontRef>
+        </p:style>
+        <p:txBody>
+          <a:bodyPr rtlCol="0" anchor="ctr"/>
+          <a:lstStyle/>
+          <a:p>
+            <a:pPr algn="ctr"/>
+            <a:endParaRPr kumimoji="1" lang="ja-JP" altLang="en-US">
+              <a:solidFill>
+                <a:schemeClr val="tx1"/>
+              </a:solidFill>
+            </a:endParaRPr>
+          </a:p>
+        </p:txBody>
+      </p:sp>
+      <p:sp>
+        <p:nvSpPr>
+          <p:cNvPr id="30" name="四角形: 角を丸くする 29">
+            <a:extLst>
+              <a:ext uri="{FF2B5EF4-FFF2-40B4-BE49-F238E27FC236}">
+                <a16:creationId xmlns:a16="http://schemas.microsoft.com/office/drawing/2014/main" id="{2AE6B360-415D-ABB8-3CAC-0C4FFA5BC11B}"/>
+              </a:ext>
+            </a:extLst>
+          </p:cNvPr>
+          <p:cNvSpPr/>
+          <p:nvPr/>
+        </p:nvSpPr>
+        <p:spPr>
+          <a:xfrm>
+            <a:off x="3818361" y="5092086"/>
+            <a:ext cx="1727885" cy="1050422"/>
+          </a:xfrm>
+          <a:prstGeom prst="roundRect">
+            <a:avLst/>
+          </a:prstGeom>
+          <a:solidFill>
+            <a:schemeClr val="bg1"/>
+          </a:solidFill>
+          <a:ln w="19050">
+            <a:solidFill>
+              <a:schemeClr val="accent3"/>
+            </a:solidFill>
+            <a:prstDash val="dash"/>
+          </a:ln>
+        </p:spPr>
+        <p:style>
+          <a:lnRef idx="2">
+            <a:schemeClr val="accent1">
+              <a:shade val="50000"/>
+            </a:schemeClr>
+          </a:lnRef>
+          <a:fillRef idx="1">
+            <a:schemeClr val="accent1"/>
+          </a:fillRef>
+          <a:effectRef idx="0">
+            <a:schemeClr val="accent1"/>
+          </a:effectRef>
+          <a:fontRef idx="minor">
+            <a:schemeClr val="lt1"/>
+          </a:fontRef>
+        </p:style>
+        <p:txBody>
+          <a:bodyPr rtlCol="0" anchor="ctr"/>
+          <a:lstStyle/>
+          <a:p>
+            <a:pPr algn="ctr"/>
+            <a:endParaRPr kumimoji="1" lang="ja-JP" altLang="en-US">
+              <a:solidFill>
+                <a:schemeClr val="tx1"/>
+              </a:solidFill>
+            </a:endParaRPr>
+          </a:p>
+        </p:txBody>
+      </p:sp>
+      <p:sp>
+        <p:nvSpPr>
+          <p:cNvPr id="31" name="テキスト ボックス 30">
+            <a:extLst>
+              <a:ext uri="{FF2B5EF4-FFF2-40B4-BE49-F238E27FC236}">
+                <a16:creationId xmlns:a16="http://schemas.microsoft.com/office/drawing/2014/main" id="{C8FDAA45-6AB4-212D-92D8-4FCB03C7768B}"/>
+              </a:ext>
+            </a:extLst>
+          </p:cNvPr>
+          <p:cNvSpPr txBox="1"/>
+          <p:nvPr/>
+        </p:nvSpPr>
+        <p:spPr>
+          <a:xfrm>
+            <a:off x="5953272" y="3747623"/>
+            <a:ext cx="5906757" cy="369332"/>
+          </a:xfrm>
+          <a:prstGeom prst="rect">
+            <a:avLst/>
+          </a:prstGeom>
+          <a:noFill/>
+        </p:spPr>
+        <p:txBody>
+          <a:bodyPr wrap="square" rtlCol="0">
+            <a:spAutoFit/>
+          </a:bodyPr>
+          <a:lstStyle/>
+          <a:p>
+            <a:pPr algn="ctr"/>
+            <a:r>
+              <a:rPr lang="ja-JP" altLang="en-US" dirty="0">
+                <a:solidFill>
+                  <a:schemeClr val="accent3"/>
+                </a:solidFill>
+              </a:rPr>
+              <a:t>独立な</a:t>
+            </a:r>
+            <a:r>
+              <a:rPr lang="en-US" altLang="ja-JP" dirty="0">
+                <a:solidFill>
+                  <a:schemeClr val="accent3"/>
+                </a:solidFill>
+              </a:rPr>
+              <a:t>2</a:t>
+            </a:r>
+            <a:r>
+              <a:rPr lang="ja-JP" altLang="en-US" dirty="0">
+                <a:solidFill>
+                  <a:schemeClr val="accent3"/>
+                </a:solidFill>
+              </a:rPr>
+              <a:t>軸に基づく区分が、本会特有の視点になると考えられる</a:t>
+            </a:r>
+            <a:endParaRPr kumimoji="1" lang="ja-JP" altLang="en-US" dirty="0">
+              <a:solidFill>
+                <a:schemeClr val="accent3"/>
+              </a:solidFill>
+            </a:endParaRPr>
+          </a:p>
+        </p:txBody>
+      </p:sp>
+      <p:cxnSp>
+        <p:nvCxnSpPr>
+          <p:cNvPr id="33" name="直線コネクタ 32">
+            <a:extLst>
+              <a:ext uri="{FF2B5EF4-FFF2-40B4-BE49-F238E27FC236}">
+                <a16:creationId xmlns:a16="http://schemas.microsoft.com/office/drawing/2014/main" id="{71958132-DEB0-4C88-B80D-3FE099C3BC39}"/>
+              </a:ext>
+            </a:extLst>
+          </p:cNvPr>
+          <p:cNvCxnSpPr>
+            <a:cxnSpLocks/>
+            <a:endCxn id="31" idx="1"/>
+          </p:cNvCxnSpPr>
+          <p:nvPr/>
+        </p:nvCxnSpPr>
+        <p:spPr>
+          <a:xfrm flipV="1">
+            <a:off x="5609672" y="3932289"/>
+            <a:ext cx="343600" cy="184666"/>
+          </a:xfrm>
+          <a:prstGeom prst="line">
+            <a:avLst/>
+          </a:prstGeom>
+          <a:ln>
+            <a:solidFill>
+              <a:schemeClr val="accent3"/>
+            </a:solidFill>
+            <a:headEnd type="none" w="med" len="med"/>
+            <a:tailEnd type="none" w="med" len="med"/>
+          </a:ln>
+        </p:spPr>
+        <p:style>
+          <a:lnRef idx="1">
+            <a:schemeClr val="accent1"/>
+          </a:lnRef>
+          <a:fillRef idx="0">
+            <a:schemeClr val="accent1"/>
+          </a:fillRef>
+          <a:effectRef idx="0">
+            <a:schemeClr val="accent1"/>
+          </a:effectRef>
+          <a:fontRef idx="minor">
+            <a:schemeClr val="tx1"/>
+          </a:fontRef>
+        </p:style>
+      </p:cxnSp>
+      <p:sp>
+        <p:nvSpPr>
+          <p:cNvPr id="6" name="二等辺三角形 5">
+            <a:extLst>
+              <a:ext uri="{FF2B5EF4-FFF2-40B4-BE49-F238E27FC236}">
+                <a16:creationId xmlns:a16="http://schemas.microsoft.com/office/drawing/2014/main" id="{1F16803E-33BD-9595-BC36-74FE5D01A35A}"/>
+              </a:ext>
+            </a:extLst>
+          </p:cNvPr>
+          <p:cNvSpPr/>
+          <p:nvPr/>
+        </p:nvSpPr>
+        <p:spPr>
+          <a:xfrm rot="5400000">
+            <a:off x="5755695" y="4636951"/>
+            <a:ext cx="1049941" cy="369332"/>
+          </a:xfrm>
+          <a:prstGeom prst="triangle">
+            <a:avLst/>
+          </a:prstGeom>
+          <a:solidFill>
+            <a:schemeClr val="bg1">
+              <a:lumMod val="85000"/>
+            </a:schemeClr>
+          </a:solidFill>
+          <a:ln>
+            <a:noFill/>
+          </a:ln>
+        </p:spPr>
+        <p:style>
+          <a:lnRef idx="2">
+            <a:schemeClr val="accent1">
+              <a:shade val="50000"/>
+            </a:schemeClr>
+          </a:lnRef>
+          <a:fillRef idx="1">
+            <a:schemeClr val="accent1"/>
+          </a:fillRef>
+          <a:effectRef idx="0">
+            <a:schemeClr val="accent1"/>
+          </a:effectRef>
+          <a:fontRef idx="minor">
+            <a:schemeClr val="lt1"/>
+          </a:fontRef>
+        </p:style>
+        <p:txBody>
+          <a:bodyPr rtlCol="0" anchor="ctr"/>
+          <a:lstStyle/>
+          <a:p>
+            <a:pPr algn="ctr"/>
+            <a:endParaRPr kumimoji="1" lang="ja-JP" altLang="en-US">
+              <a:solidFill>
+                <a:schemeClr val="tx1"/>
+              </a:solidFill>
+            </a:endParaRPr>
+          </a:p>
+        </p:txBody>
+      </p:sp>
+    </p:spTree>
+    <p:extLst>
+      <p:ext uri="{BB962C8B-B14F-4D97-AF65-F5344CB8AC3E}">
+        <p14:creationId xmlns:p14="http://schemas.microsoft.com/office/powerpoint/2010/main" val="3243954789"/>
+      </p:ext>
+    </p:extLst>
+  </p:cSld>
+  <p:clrMapOvr>
+    <a:masterClrMapping/>
+  </p:clrMapOvr>
+</p:sld>
+</file>
+
+<file path=ppt/slides/slide24.xml><?xml version="1.0" encoding="utf-8"?>
+<p:sld xmlns:a="http://schemas.openxmlformats.org/drawingml/2006/main" xmlns:r="http://schemas.openxmlformats.org/officeDocument/2006/relationships" xmlns:p="http://schemas.openxmlformats.org/presentationml/2006/main">
+  <p:cSld>
+    <p:spTree>
+      <p:nvGrpSpPr>
+        <p:cNvPr id="1" name=""/>
+        <p:cNvGrpSpPr/>
+        <p:nvPr/>
+      </p:nvGrpSpPr>
+      <p:grpSpPr>
+        <a:xfrm>
+          <a:off x="0" y="0"/>
+          <a:ext cx="0" cy="0"/>
+          <a:chOff x="0" y="0"/>
+          <a:chExt cx="0" cy="0"/>
+        </a:xfrm>
+      </p:grpSpPr>
+      <p:sp>
+        <p:nvSpPr>
+          <p:cNvPr id="5" name="タイトル 4">
+            <a:extLst>
+              <a:ext uri="{FF2B5EF4-FFF2-40B4-BE49-F238E27FC236}">
+                <a16:creationId xmlns:a16="http://schemas.microsoft.com/office/drawing/2014/main" id="{560C5BD5-1532-4087-ACF7-85710DC69FAA}"/>
+              </a:ext>
+            </a:extLst>
+          </p:cNvPr>
+          <p:cNvSpPr>
+            <a:spLocks noGrp="1"/>
+          </p:cNvSpPr>
+          <p:nvPr>
+            <p:ph type="title"/>
+          </p:nvPr>
+        </p:nvSpPr>
+        <p:spPr/>
+        <p:txBody>
+          <a:bodyPr/>
+          <a:lstStyle/>
+          <a:p>
+            <a:r>
+              <a:rPr lang="ja-JP" altLang="en-US" dirty="0"/>
+              <a:t>第</a:t>
+            </a:r>
+            <a:r>
+              <a:rPr lang="en-US" altLang="ja-JP" dirty="0"/>
+              <a:t>6</a:t>
+            </a:r>
+            <a:r>
+              <a:rPr lang="ja-JP" altLang="en-US" dirty="0"/>
+              <a:t>回</a:t>
+            </a:r>
+            <a:r>
+              <a:rPr lang="ja-JP" altLang="en-US" sz="2400" dirty="0"/>
+              <a:t>（</a:t>
+            </a:r>
+            <a:r>
+              <a:rPr lang="en-US" altLang="ja-JP" sz="2400" dirty="0"/>
+              <a:t>8</a:t>
+            </a:r>
+            <a:r>
+              <a:rPr lang="ja-JP" altLang="en-US" sz="2400" dirty="0"/>
+              <a:t>月</a:t>
+            </a:r>
+            <a:r>
+              <a:rPr lang="en-US" altLang="ja-JP" sz="2400" dirty="0"/>
+              <a:t>30</a:t>
+            </a:r>
+            <a:r>
+              <a:rPr lang="ja-JP" altLang="en-US" sz="2400" dirty="0"/>
+              <a:t>日）</a:t>
+            </a:r>
+            <a:r>
+              <a:rPr lang="ja-JP" altLang="en-US" dirty="0"/>
+              <a:t>に向けてのご相談</a:t>
+            </a:r>
+            <a:endParaRPr lang="en-US" dirty="0"/>
+          </a:p>
+        </p:txBody>
+      </p:sp>
+      <p:sp>
+        <p:nvSpPr>
+          <p:cNvPr id="3" name="スライド番号プレースホルダー 2">
+            <a:extLst>
+              <a:ext uri="{FF2B5EF4-FFF2-40B4-BE49-F238E27FC236}">
+                <a16:creationId xmlns:a16="http://schemas.microsoft.com/office/drawing/2014/main" id="{ED23190D-575C-49DE-8293-87C3C1C8D779}"/>
+              </a:ext>
+            </a:extLst>
+          </p:cNvPr>
+          <p:cNvSpPr>
+            <a:spLocks noGrp="1"/>
+          </p:cNvSpPr>
+          <p:nvPr>
+            <p:ph type="sldNum" sz="quarter" idx="10"/>
+          </p:nvPr>
+        </p:nvSpPr>
+        <p:spPr/>
+        <p:txBody>
+          <a:bodyPr/>
+          <a:lstStyle/>
+          <a:p>
+            <a:fld id="{584EAAFE-CFE5-40AD-8E95-5BFF290DC5CF}" type="slidenum">
+              <a:rPr kumimoji="1" lang="ja-JP" altLang="en-US" smtClean="0"/>
+              <a:pPr/>
+              <a:t>24</a:t>
             </a:fld>
             <a:endParaRPr kumimoji="1" lang="ja-JP" altLang="en-US"/>
           </a:p>
